--- a/statistics/Statistics.pptx
+++ b/statistics/Statistics.pptx
@@ -15,6 +15,13 @@
     <p:sldId id="265" r:id="rId12"/>
     <p:sldId id="266" r:id="rId13"/>
     <p:sldId id="267" r:id="rId14"/>
+    <p:sldId id="268" r:id="rId15"/>
+    <p:sldId id="274" r:id="rId16"/>
+    <p:sldId id="269" r:id="rId17"/>
+    <p:sldId id="270" r:id="rId18"/>
+    <p:sldId id="271" r:id="rId19"/>
+    <p:sldId id="273" r:id="rId20"/>
+    <p:sldId id="272" r:id="rId21"/>
   </p:sldIdLst>
   <p:sldSz cx="12192000" cy="6858000"/>
   <p:notesSz cx="6858000" cy="9144000"/>
@@ -4213,7 +4220,7 @@
           <a:p>
             <a:fld id="{9184DA70-C731-4C70-880D-CCD4705E623C}" type="datetime1">
               <a:rPr lang="en-US" smtClean="0"/>
-              <a:t>6/30/2024</a:t>
+              <a:t>7/6/2024</a:t>
             </a:fld>
             <a:endParaRPr lang="en-US" dirty="0"/>
           </a:p>
@@ -4401,7 +4408,7 @@
           <a:p>
             <a:fld id="{B612A279-0833-481D-8C56-F67FD0AC6C50}" type="datetime1">
               <a:rPr lang="en-US" smtClean="0"/>
-              <a:t>6/30/2024</a:t>
+              <a:t>7/6/2024</a:t>
             </a:fld>
             <a:endParaRPr lang="en-US" dirty="0"/>
           </a:p>
@@ -4643,7 +4650,7 @@
           <a:p>
             <a:fld id="{6587DA83-5663-4C9C-B9AA-0B40A3DAFF81}" type="datetime1">
               <a:rPr lang="en-US" smtClean="0"/>
-              <a:t>6/30/2024</a:t>
+              <a:t>7/6/2024</a:t>
             </a:fld>
             <a:endParaRPr lang="en-US" dirty="0"/>
           </a:p>
@@ -4831,7 +4838,7 @@
           <a:p>
             <a:fld id="{4BE1D723-8F53-4F53-90B0-1982A396982E}" type="datetime1">
               <a:rPr lang="en-US" smtClean="0"/>
-              <a:t>6/30/2024</a:t>
+              <a:t>7/6/2024</a:t>
             </a:fld>
             <a:endParaRPr lang="en-US" dirty="0"/>
           </a:p>
@@ -5204,7 +5211,7 @@
           <a:p>
             <a:fld id="{97669AF7-7BEB-44E4-9852-375E34362B5B}" type="datetime1">
               <a:rPr lang="en-US" smtClean="0"/>
-              <a:t>6/30/2024</a:t>
+              <a:t>7/6/2024</a:t>
             </a:fld>
             <a:endParaRPr lang="en-US" dirty="0"/>
           </a:p>
@@ -5459,7 +5466,7 @@
           <a:p>
             <a:fld id="{BAAAC38D-0552-4C82-B593-E6124DFADBE2}" type="datetime1">
               <a:rPr lang="en-US" smtClean="0"/>
-              <a:t>6/30/2024</a:t>
+              <a:t>7/6/2024</a:t>
             </a:fld>
             <a:endParaRPr lang="en-US" dirty="0"/>
           </a:p>
@@ -5856,7 +5863,7 @@
           <a:p>
             <a:fld id="{D9DF0F1C-5577-4ACB-BB62-DF8F3C494C7E}" type="datetime1">
               <a:rPr lang="en-US" smtClean="0"/>
-              <a:t>6/30/2024</a:t>
+              <a:t>7/6/2024</a:t>
             </a:fld>
             <a:endParaRPr lang="en-US" dirty="0"/>
           </a:p>
@@ -5992,7 +5999,7 @@
           <a:p>
             <a:fld id="{1775B394-D9F9-4F0C-B15D-605F45CB9E9F}" type="datetime1">
               <a:rPr lang="en-US" smtClean="0"/>
-              <a:t>6/30/2024</a:t>
+              <a:t>7/6/2024</a:t>
             </a:fld>
             <a:endParaRPr lang="en-US" dirty="0"/>
           </a:p>
@@ -6149,7 +6156,7 @@
           <a:p>
             <a:fld id="{39667345-2558-425A-8533-9BFDBCE15005}" type="datetime1">
               <a:rPr lang="en-US" smtClean="0"/>
-              <a:t>6/30/2024</a:t>
+              <a:t>7/6/2024</a:t>
             </a:fld>
             <a:endParaRPr lang="en-US" dirty="0"/>
           </a:p>
@@ -6478,7 +6485,7 @@
           <a:p>
             <a:fld id="{92BEA474-078D-4E9B-9B14-09A87B19DC46}" type="datetime1">
               <a:rPr lang="en-US" smtClean="0"/>
-              <a:t>6/30/2024</a:t>
+              <a:t>7/6/2024</a:t>
             </a:fld>
             <a:endParaRPr lang="en-US" dirty="0"/>
           </a:p>
@@ -6828,7 +6835,7 @@
           <a:p>
             <a:fld id="{4907D986-8816-4272-A432-0437A28A9828}" type="datetime1">
               <a:rPr lang="en-US" smtClean="0"/>
-              <a:t>6/30/2024</a:t>
+              <a:t>7/6/2024</a:t>
             </a:fld>
             <a:endParaRPr lang="en-US" dirty="0"/>
           </a:p>
@@ -7089,7 +7096,7 @@
           <a:p>
             <a:fld id="{62D6E202-B606-4609-B914-27C9371A1F6D}" type="datetime1">
               <a:rPr lang="en-US" smtClean="0"/>
-              <a:t>6/30/2024</a:t>
+              <a:t>7/6/2024</a:t>
             </a:fld>
             <a:endParaRPr lang="en-US" dirty="0"/>
           </a:p>
@@ -7940,6 +7947,2355 @@
     <p:extLst>
       <p:ext uri="{BB962C8B-B14F-4D97-AF65-F5344CB8AC3E}">
         <p14:creationId xmlns:p14="http://schemas.microsoft.com/office/powerpoint/2010/main" val="2088026747"/>
+      </p:ext>
+    </p:extLst>
+  </p:cSld>
+  <p:clrMapOvr>
+    <a:masterClrMapping/>
+  </p:clrMapOvr>
+</p:sld>
+</file>
+
+<file path=ppt/slides/slide11.xml><?xml version="1.0" encoding="utf-8"?>
+<p:sld xmlns:a="http://schemas.openxmlformats.org/drawingml/2006/main" xmlns:r="http://schemas.openxmlformats.org/officeDocument/2006/relationships" xmlns:p="http://schemas.openxmlformats.org/presentationml/2006/main">
+  <p:cSld>
+    <p:spTree>
+      <p:nvGrpSpPr>
+        <p:cNvPr id="1" name=""/>
+        <p:cNvGrpSpPr/>
+        <p:nvPr/>
+      </p:nvGrpSpPr>
+      <p:grpSpPr>
+        <a:xfrm>
+          <a:off x="0" y="0"/>
+          <a:ext cx="0" cy="0"/>
+          <a:chOff x="0" y="0"/>
+          <a:chExt cx="0" cy="0"/>
+        </a:xfrm>
+      </p:grpSpPr>
+      <p:sp>
+        <p:nvSpPr>
+          <p:cNvPr id="2" name="Title 1">
+            <a:extLst>
+              <a:ext uri="{FF2B5EF4-FFF2-40B4-BE49-F238E27FC236}">
+                <a16:creationId xmlns:a16="http://schemas.microsoft.com/office/drawing/2014/main" id="{FC739AED-EFCD-4E19-15C4-6CCF4F55845B}"/>
+              </a:ext>
+            </a:extLst>
+          </p:cNvPr>
+          <p:cNvSpPr>
+            <a:spLocks noGrp="1"/>
+          </p:cNvSpPr>
+          <p:nvPr>
+            <p:ph type="title"/>
+          </p:nvPr>
+        </p:nvSpPr>
+        <p:spPr/>
+        <p:txBody>
+          <a:bodyPr>
+            <a:normAutofit/>
+          </a:bodyPr>
+          <a:lstStyle/>
+          <a:p>
+            <a:r>
+              <a:rPr lang="en-US" sz="4000" i="1" dirty="0"/>
+              <a:t>Inferential Statistics</a:t>
+            </a:r>
+            <a:endParaRPr lang="en-IN" sz="4000" dirty="0"/>
+          </a:p>
+        </p:txBody>
+      </p:sp>
+      <p:sp>
+        <p:nvSpPr>
+          <p:cNvPr id="3" name="Content Placeholder 2">
+            <a:extLst>
+              <a:ext uri="{FF2B5EF4-FFF2-40B4-BE49-F238E27FC236}">
+                <a16:creationId xmlns:a16="http://schemas.microsoft.com/office/drawing/2014/main" id="{FFDEDD2C-1A8A-102D-FACC-27C874ED7487}"/>
+              </a:ext>
+            </a:extLst>
+          </p:cNvPr>
+          <p:cNvSpPr>
+            <a:spLocks noGrp="1"/>
+          </p:cNvSpPr>
+          <p:nvPr>
+            <p:ph idx="1"/>
+          </p:nvPr>
+        </p:nvSpPr>
+        <p:spPr>
+          <a:xfrm>
+            <a:off x="1097279" y="2265513"/>
+            <a:ext cx="4882697" cy="1450757"/>
+          </a:xfrm>
+        </p:spPr>
+        <p:txBody>
+          <a:bodyPr>
+            <a:normAutofit/>
+          </a:bodyPr>
+          <a:lstStyle/>
+          <a:p>
+            <a:pPr marL="0" indent="0" algn="just">
+              <a:buNone/>
+            </a:pPr>
+            <a:r>
+              <a:rPr lang="en-IN" i="1" dirty="0"/>
+              <a:t>Inferential Statistics </a:t>
+            </a:r>
+            <a:r>
+              <a:rPr lang="en-IN" dirty="0"/>
+              <a:t>approximately estimates characteristic of the </a:t>
+            </a:r>
+            <a:r>
+              <a:rPr lang="en-IN" b="1" dirty="0"/>
+              <a:t>population</a:t>
+            </a:r>
+            <a:r>
+              <a:rPr lang="en-IN" dirty="0"/>
+              <a:t> from which the </a:t>
+            </a:r>
+            <a:r>
+              <a:rPr lang="en-IN" b="1" dirty="0"/>
+              <a:t>sample</a:t>
+            </a:r>
+            <a:r>
+              <a:rPr lang="en-IN" dirty="0"/>
+              <a:t> was taken. It also helps in testing a research hypothesis about given population.</a:t>
+            </a:r>
+          </a:p>
+          <a:p>
+            <a:pPr marL="0" indent="0" algn="just">
+              <a:buNone/>
+            </a:pPr>
+            <a:endParaRPr lang="en-IN" i="1" dirty="0"/>
+          </a:p>
+        </p:txBody>
+      </p:sp>
+      <p:pic>
+        <p:nvPicPr>
+          <p:cNvPr id="1028" name="Picture 4">
+            <a:extLst>
+              <a:ext uri="{FF2B5EF4-FFF2-40B4-BE49-F238E27FC236}">
+                <a16:creationId xmlns:a16="http://schemas.microsoft.com/office/drawing/2014/main" id="{DF7F1DD1-0BDD-1191-83D9-7F9CB334F2F3}"/>
+              </a:ext>
+            </a:extLst>
+          </p:cNvPr>
+          <p:cNvPicPr>
+            <a:picLocks noChangeAspect="1" noChangeArrowheads="1"/>
+          </p:cNvPicPr>
+          <p:nvPr/>
+        </p:nvPicPr>
+        <p:blipFill>
+          <a:blip r:embed="rId2">
+            <a:extLst>
+              <a:ext uri="{28A0092B-C50C-407E-A947-70E740481C1C}">
+                <a14:useLocalDpi xmlns:a14="http://schemas.microsoft.com/office/drawing/2010/main" val="0"/>
+              </a:ext>
+            </a:extLst>
+          </a:blip>
+          <a:srcRect/>
+          <a:stretch>
+            <a:fillRect/>
+          </a:stretch>
+        </p:blipFill>
+        <p:spPr bwMode="auto">
+          <a:xfrm>
+            <a:off x="6212022" y="1968138"/>
+            <a:ext cx="4882698" cy="2112249"/>
+          </a:xfrm>
+          <a:prstGeom prst="rect">
+            <a:avLst/>
+          </a:prstGeom>
+          <a:noFill/>
+          <a:extLst>
+            <a:ext uri="{909E8E84-426E-40DD-AFC4-6F175D3DCCD1}">
+              <a14:hiddenFill xmlns:a14="http://schemas.microsoft.com/office/drawing/2010/main">
+                <a:solidFill>
+                  <a:srgbClr val="FFFFFF"/>
+                </a:solidFill>
+              </a14:hiddenFill>
+            </a:ext>
+          </a:extLst>
+        </p:spPr>
+      </p:pic>
+      <p:sp>
+        <p:nvSpPr>
+          <p:cNvPr id="7" name="Content Placeholder 2">
+            <a:extLst>
+              <a:ext uri="{FF2B5EF4-FFF2-40B4-BE49-F238E27FC236}">
+                <a16:creationId xmlns:a16="http://schemas.microsoft.com/office/drawing/2014/main" id="{3A578996-14CA-6AE7-6532-E662C97A87DA}"/>
+              </a:ext>
+            </a:extLst>
+          </p:cNvPr>
+          <p:cNvSpPr txBox="1">
+            <a:spLocks/>
+          </p:cNvSpPr>
+          <p:nvPr/>
+        </p:nvSpPr>
+        <p:spPr>
+          <a:xfrm>
+            <a:off x="1097278" y="4244423"/>
+            <a:ext cx="9997442" cy="1450757"/>
+          </a:xfrm>
+          <a:prstGeom prst="rect">
+            <a:avLst/>
+          </a:prstGeom>
+        </p:spPr>
+        <p:txBody>
+          <a:bodyPr vert="horz" lIns="0" tIns="45720" rIns="0" bIns="45720" rtlCol="0">
+            <a:normAutofit fontScale="92500" lnSpcReduction="10000"/>
+          </a:bodyPr>
+          <a:lstStyle>
+            <a:lvl1pPr marL="91440" indent="-91440" algn="l" defTabSz="914400" rtl="0" eaLnBrk="1" latinLnBrk="0" hangingPunct="1">
+              <a:lnSpc>
+                <a:spcPct val="110000"/>
+              </a:lnSpc>
+              <a:spcBef>
+                <a:spcPts val="1200"/>
+              </a:spcBef>
+              <a:spcAft>
+                <a:spcPts val="200"/>
+              </a:spcAft>
+              <a:buClr>
+                <a:schemeClr val="accent1"/>
+              </a:buClr>
+              <a:buSzPct val="100000"/>
+              <a:buFont typeface="Calibri" panose="020F0502020204030204" pitchFamily="34" charset="0"/>
+              <a:buChar char=" "/>
+              <a:defRPr sz="1900" kern="1200">
+                <a:solidFill>
+                  <a:schemeClr val="tx1">
+                    <a:lumMod val="75000"/>
+                    <a:lumOff val="25000"/>
+                  </a:schemeClr>
+                </a:solidFill>
+                <a:latin typeface="+mn-lt"/>
+                <a:ea typeface="+mn-ea"/>
+                <a:cs typeface="+mn-cs"/>
+              </a:defRPr>
+            </a:lvl1pPr>
+            <a:lvl2pPr marL="384048" indent="-182880" algn="l" defTabSz="914400" rtl="0" eaLnBrk="1" latinLnBrk="0" hangingPunct="1">
+              <a:lnSpc>
+                <a:spcPct val="100000"/>
+              </a:lnSpc>
+              <a:spcBef>
+                <a:spcPts val="200"/>
+              </a:spcBef>
+              <a:spcAft>
+                <a:spcPts val="400"/>
+              </a:spcAft>
+              <a:buClrTx/>
+              <a:buFont typeface="Calibri" pitchFamily="34" charset="0"/>
+              <a:buChar char="◦"/>
+              <a:defRPr sz="1700" kern="1200">
+                <a:solidFill>
+                  <a:schemeClr val="tx1">
+                    <a:lumMod val="75000"/>
+                    <a:lumOff val="25000"/>
+                  </a:schemeClr>
+                </a:solidFill>
+                <a:latin typeface="+mn-lt"/>
+                <a:ea typeface="+mn-ea"/>
+                <a:cs typeface="+mn-cs"/>
+              </a:defRPr>
+            </a:lvl2pPr>
+            <a:lvl3pPr marL="566928" indent="-182880" algn="l" defTabSz="914400" rtl="0" eaLnBrk="1" latinLnBrk="0" hangingPunct="1">
+              <a:lnSpc>
+                <a:spcPct val="100000"/>
+              </a:lnSpc>
+              <a:spcBef>
+                <a:spcPts val="200"/>
+              </a:spcBef>
+              <a:spcAft>
+                <a:spcPts val="400"/>
+              </a:spcAft>
+              <a:buClrTx/>
+              <a:buFont typeface="Calibri" pitchFamily="34" charset="0"/>
+              <a:buChar char="◦"/>
+              <a:defRPr sz="1300" kern="1200">
+                <a:solidFill>
+                  <a:schemeClr val="tx1">
+                    <a:lumMod val="75000"/>
+                    <a:lumOff val="25000"/>
+                  </a:schemeClr>
+                </a:solidFill>
+                <a:latin typeface="+mn-lt"/>
+                <a:ea typeface="+mn-ea"/>
+                <a:cs typeface="+mn-cs"/>
+              </a:defRPr>
+            </a:lvl3pPr>
+            <a:lvl4pPr marL="749808" indent="-182880" algn="l" defTabSz="914400" rtl="0" eaLnBrk="1" latinLnBrk="0" hangingPunct="1">
+              <a:lnSpc>
+                <a:spcPct val="100000"/>
+              </a:lnSpc>
+              <a:spcBef>
+                <a:spcPts val="200"/>
+              </a:spcBef>
+              <a:spcAft>
+                <a:spcPts val="400"/>
+              </a:spcAft>
+              <a:buClrTx/>
+              <a:buFont typeface="Calibri" pitchFamily="34" charset="0"/>
+              <a:buChar char="◦"/>
+              <a:defRPr sz="1300" kern="1200">
+                <a:solidFill>
+                  <a:schemeClr val="tx1">
+                    <a:lumMod val="75000"/>
+                    <a:lumOff val="25000"/>
+                  </a:schemeClr>
+                </a:solidFill>
+                <a:latin typeface="+mn-lt"/>
+                <a:ea typeface="+mn-ea"/>
+                <a:cs typeface="+mn-cs"/>
+              </a:defRPr>
+            </a:lvl4pPr>
+            <a:lvl5pPr marL="932688" indent="-182880" algn="l" defTabSz="914400" rtl="0" eaLnBrk="1" latinLnBrk="0" hangingPunct="1">
+              <a:lnSpc>
+                <a:spcPct val="100000"/>
+              </a:lnSpc>
+              <a:spcBef>
+                <a:spcPts val="200"/>
+              </a:spcBef>
+              <a:spcAft>
+                <a:spcPts val="400"/>
+              </a:spcAft>
+              <a:buClrTx/>
+              <a:buFont typeface="Calibri" pitchFamily="34" charset="0"/>
+              <a:buChar char="◦"/>
+              <a:defRPr sz="1300" kern="1200">
+                <a:solidFill>
+                  <a:schemeClr val="tx1">
+                    <a:lumMod val="75000"/>
+                    <a:lumOff val="25000"/>
+                  </a:schemeClr>
+                </a:solidFill>
+                <a:latin typeface="+mn-lt"/>
+                <a:ea typeface="+mn-ea"/>
+                <a:cs typeface="+mn-cs"/>
+              </a:defRPr>
+            </a:lvl5pPr>
+            <a:lvl6pPr marL="1100000" indent="-228600" algn="l" defTabSz="914400" rtl="0" eaLnBrk="1" latinLnBrk="0" hangingPunct="1">
+              <a:lnSpc>
+                <a:spcPct val="90000"/>
+              </a:lnSpc>
+              <a:spcBef>
+                <a:spcPts val="200"/>
+              </a:spcBef>
+              <a:spcAft>
+                <a:spcPts val="400"/>
+              </a:spcAft>
+              <a:buClr>
+                <a:schemeClr val="accent1"/>
+              </a:buClr>
+              <a:buFont typeface="Calibri" pitchFamily="34" charset="0"/>
+              <a:buChar char="◦"/>
+              <a:defRPr sz="1400" kern="1200">
+                <a:solidFill>
+                  <a:schemeClr val="tx1">
+                    <a:lumMod val="75000"/>
+                    <a:lumOff val="25000"/>
+                  </a:schemeClr>
+                </a:solidFill>
+                <a:latin typeface="+mn-lt"/>
+                <a:ea typeface="+mn-ea"/>
+                <a:cs typeface="+mn-cs"/>
+              </a:defRPr>
+            </a:lvl6pPr>
+            <a:lvl7pPr marL="1300000" indent="-228600" algn="l" defTabSz="914400" rtl="0" eaLnBrk="1" latinLnBrk="0" hangingPunct="1">
+              <a:lnSpc>
+                <a:spcPct val="90000"/>
+              </a:lnSpc>
+              <a:spcBef>
+                <a:spcPts val="200"/>
+              </a:spcBef>
+              <a:spcAft>
+                <a:spcPts val="400"/>
+              </a:spcAft>
+              <a:buClr>
+                <a:schemeClr val="accent1"/>
+              </a:buClr>
+              <a:buFont typeface="Calibri" pitchFamily="34" charset="0"/>
+              <a:buChar char="◦"/>
+              <a:defRPr sz="1400" kern="1200">
+                <a:solidFill>
+                  <a:schemeClr val="tx1">
+                    <a:lumMod val="75000"/>
+                    <a:lumOff val="25000"/>
+                  </a:schemeClr>
+                </a:solidFill>
+                <a:latin typeface="+mn-lt"/>
+                <a:ea typeface="+mn-ea"/>
+                <a:cs typeface="+mn-cs"/>
+              </a:defRPr>
+            </a:lvl7pPr>
+            <a:lvl8pPr marL="1500000" indent="-228600" algn="l" defTabSz="914400" rtl="0" eaLnBrk="1" latinLnBrk="0" hangingPunct="1">
+              <a:lnSpc>
+                <a:spcPct val="90000"/>
+              </a:lnSpc>
+              <a:spcBef>
+                <a:spcPts val="200"/>
+              </a:spcBef>
+              <a:spcAft>
+                <a:spcPts val="400"/>
+              </a:spcAft>
+              <a:buClr>
+                <a:schemeClr val="accent1"/>
+              </a:buClr>
+              <a:buFont typeface="Calibri" pitchFamily="34" charset="0"/>
+              <a:buChar char="◦"/>
+              <a:defRPr sz="1400" kern="1200">
+                <a:solidFill>
+                  <a:schemeClr val="tx1">
+                    <a:lumMod val="75000"/>
+                    <a:lumOff val="25000"/>
+                  </a:schemeClr>
+                </a:solidFill>
+                <a:latin typeface="+mn-lt"/>
+                <a:ea typeface="+mn-ea"/>
+                <a:cs typeface="+mn-cs"/>
+              </a:defRPr>
+            </a:lvl8pPr>
+            <a:lvl9pPr marL="1700000" indent="-228600" algn="l" defTabSz="914400" rtl="0" eaLnBrk="1" latinLnBrk="0" hangingPunct="1">
+              <a:lnSpc>
+                <a:spcPct val="90000"/>
+              </a:lnSpc>
+              <a:spcBef>
+                <a:spcPts val="200"/>
+              </a:spcBef>
+              <a:spcAft>
+                <a:spcPts val="400"/>
+              </a:spcAft>
+              <a:buClr>
+                <a:schemeClr val="accent1"/>
+              </a:buClr>
+              <a:buFont typeface="Calibri" pitchFamily="34" charset="0"/>
+              <a:buChar char="◦"/>
+              <a:defRPr sz="1400" kern="1200">
+                <a:solidFill>
+                  <a:schemeClr val="tx1">
+                    <a:lumMod val="75000"/>
+                    <a:lumOff val="25000"/>
+                  </a:schemeClr>
+                </a:solidFill>
+                <a:latin typeface="+mn-lt"/>
+                <a:ea typeface="+mn-ea"/>
+                <a:cs typeface="+mn-cs"/>
+              </a:defRPr>
+            </a:lvl9pPr>
+          </a:lstStyle>
+          <a:p>
+            <a:pPr marL="0" indent="0" algn="just">
+              <a:buFont typeface="Calibri" panose="020F0502020204030204" pitchFamily="34" charset="0"/>
+              <a:buNone/>
+            </a:pPr>
+            <a:r>
+              <a:rPr lang="en-IN" i="1" dirty="0"/>
+              <a:t>Descriptive statistics</a:t>
+            </a:r>
+            <a:r>
+              <a:rPr lang="en-IN" dirty="0"/>
+              <a:t> provides concise summary of the data and help understand it through visual aids such as histograms, bar charts and scatter plots.</a:t>
+            </a:r>
+          </a:p>
+          <a:p>
+            <a:pPr marL="0" indent="0" algn="just">
+              <a:buFont typeface="Calibri" panose="020F0502020204030204" pitchFamily="34" charset="0"/>
+              <a:buNone/>
+            </a:pPr>
+            <a:r>
+              <a:rPr lang="en-IN" i="1" dirty="0"/>
+              <a:t>Inferential statistics</a:t>
+            </a:r>
+            <a:r>
+              <a:rPr lang="en-IN" dirty="0"/>
+              <a:t> is concerned about drawing conclusion on a bigger data (larger population) based on a smaller sample. Also to test hypothesis about population parameters.</a:t>
+            </a:r>
+            <a:endParaRPr lang="en-IN" i="1" dirty="0"/>
+          </a:p>
+          <a:p>
+            <a:pPr marL="0" indent="0" algn="just">
+              <a:buFont typeface="Calibri" panose="020F0502020204030204" pitchFamily="34" charset="0"/>
+              <a:buNone/>
+            </a:pPr>
+            <a:endParaRPr lang="en-IN" i="1" dirty="0"/>
+          </a:p>
+        </p:txBody>
+      </p:sp>
+    </p:spTree>
+    <p:extLst>
+      <p:ext uri="{BB962C8B-B14F-4D97-AF65-F5344CB8AC3E}">
+        <p14:creationId xmlns:p14="http://schemas.microsoft.com/office/powerpoint/2010/main" val="393724087"/>
+      </p:ext>
+    </p:extLst>
+  </p:cSld>
+  <p:clrMapOvr>
+    <a:masterClrMapping/>
+  </p:clrMapOvr>
+</p:sld>
+</file>
+
+<file path=ppt/slides/slide12.xml><?xml version="1.0" encoding="utf-8"?>
+<p:sld xmlns:a="http://schemas.openxmlformats.org/drawingml/2006/main" xmlns:r="http://schemas.openxmlformats.org/officeDocument/2006/relationships" xmlns:p="http://schemas.openxmlformats.org/presentationml/2006/main">
+  <p:cSld>
+    <p:spTree>
+      <p:nvGrpSpPr>
+        <p:cNvPr id="1" name=""/>
+        <p:cNvGrpSpPr/>
+        <p:nvPr/>
+      </p:nvGrpSpPr>
+      <p:grpSpPr>
+        <a:xfrm>
+          <a:off x="0" y="0"/>
+          <a:ext cx="0" cy="0"/>
+          <a:chOff x="0" y="0"/>
+          <a:chExt cx="0" cy="0"/>
+        </a:xfrm>
+      </p:grpSpPr>
+      <p:cxnSp>
+        <p:nvCxnSpPr>
+          <p:cNvPr id="5" name="Straight Connector 4">
+            <a:extLst>
+              <a:ext uri="{FF2B5EF4-FFF2-40B4-BE49-F238E27FC236}">
+                <a16:creationId xmlns:a16="http://schemas.microsoft.com/office/drawing/2014/main" id="{58F54A7E-8F53-7A43-5C29-08EF3B4B63BC}"/>
+              </a:ext>
+            </a:extLst>
+          </p:cNvPr>
+          <p:cNvCxnSpPr/>
+          <p:nvPr/>
+        </p:nvCxnSpPr>
+        <p:spPr>
+          <a:xfrm>
+            <a:off x="1327328" y="3424088"/>
+            <a:ext cx="9861755" cy="0"/>
+          </a:xfrm>
+          <a:prstGeom prst="line">
+            <a:avLst/>
+          </a:prstGeom>
+          <a:ln w="41275"/>
+        </p:spPr>
+        <p:style>
+          <a:lnRef idx="1">
+            <a:schemeClr val="accent1"/>
+          </a:lnRef>
+          <a:fillRef idx="0">
+            <a:schemeClr val="accent1"/>
+          </a:fillRef>
+          <a:effectRef idx="0">
+            <a:schemeClr val="accent1"/>
+          </a:effectRef>
+          <a:fontRef idx="minor">
+            <a:schemeClr val="tx1"/>
+          </a:fontRef>
+        </p:style>
+      </p:cxnSp>
+      <p:sp>
+        <p:nvSpPr>
+          <p:cNvPr id="6" name="Flowchart: Connector 5">
+            <a:extLst>
+              <a:ext uri="{FF2B5EF4-FFF2-40B4-BE49-F238E27FC236}">
+                <a16:creationId xmlns:a16="http://schemas.microsoft.com/office/drawing/2014/main" id="{C4E7023D-2A19-987E-CEFA-43FC3DD1B7CC}"/>
+              </a:ext>
+            </a:extLst>
+          </p:cNvPr>
+          <p:cNvSpPr/>
+          <p:nvPr/>
+        </p:nvSpPr>
+        <p:spPr>
+          <a:xfrm>
+            <a:off x="6002593" y="3345428"/>
+            <a:ext cx="186813" cy="186808"/>
+          </a:xfrm>
+          <a:prstGeom prst="flowChartConnector">
+            <a:avLst/>
+          </a:prstGeom>
+          <a:solidFill>
+            <a:srgbClr val="0070C0"/>
+          </a:solidFill>
+        </p:spPr>
+        <p:style>
+          <a:lnRef idx="2">
+            <a:schemeClr val="accent1">
+              <a:shade val="15000"/>
+            </a:schemeClr>
+          </a:lnRef>
+          <a:fillRef idx="1">
+            <a:schemeClr val="accent1"/>
+          </a:fillRef>
+          <a:effectRef idx="0">
+            <a:schemeClr val="accent1"/>
+          </a:effectRef>
+          <a:fontRef idx="minor">
+            <a:schemeClr val="lt1"/>
+          </a:fontRef>
+        </p:style>
+        <p:txBody>
+          <a:bodyPr rtlCol="0" anchor="ctr"/>
+          <a:lstStyle/>
+          <a:p>
+            <a:pPr algn="ctr"/>
+            <a:endParaRPr lang="en-IN"/>
+          </a:p>
+        </p:txBody>
+      </p:sp>
+      <p:sp>
+        <p:nvSpPr>
+          <p:cNvPr id="7" name="Flowchart: Connector 6">
+            <a:extLst>
+              <a:ext uri="{FF2B5EF4-FFF2-40B4-BE49-F238E27FC236}">
+                <a16:creationId xmlns:a16="http://schemas.microsoft.com/office/drawing/2014/main" id="{73FBD997-BDDB-93EA-9637-D660A7EA02E8}"/>
+              </a:ext>
+            </a:extLst>
+          </p:cNvPr>
+          <p:cNvSpPr/>
+          <p:nvPr/>
+        </p:nvSpPr>
+        <p:spPr>
+          <a:xfrm>
+            <a:off x="6184489" y="3340516"/>
+            <a:ext cx="186813" cy="186808"/>
+          </a:xfrm>
+          <a:prstGeom prst="flowChartConnector">
+            <a:avLst/>
+          </a:prstGeom>
+          <a:solidFill>
+            <a:srgbClr val="0070C0"/>
+          </a:solidFill>
+        </p:spPr>
+        <p:style>
+          <a:lnRef idx="2">
+            <a:schemeClr val="accent1">
+              <a:shade val="15000"/>
+            </a:schemeClr>
+          </a:lnRef>
+          <a:fillRef idx="1">
+            <a:schemeClr val="accent1"/>
+          </a:fillRef>
+          <a:effectRef idx="0">
+            <a:schemeClr val="accent1"/>
+          </a:effectRef>
+          <a:fontRef idx="minor">
+            <a:schemeClr val="lt1"/>
+          </a:fontRef>
+        </p:style>
+        <p:txBody>
+          <a:bodyPr rtlCol="0" anchor="ctr"/>
+          <a:lstStyle/>
+          <a:p>
+            <a:pPr algn="ctr"/>
+            <a:endParaRPr lang="en-IN"/>
+          </a:p>
+        </p:txBody>
+      </p:sp>
+      <p:sp>
+        <p:nvSpPr>
+          <p:cNvPr id="8" name="Flowchart: Connector 7">
+            <a:extLst>
+              <a:ext uri="{FF2B5EF4-FFF2-40B4-BE49-F238E27FC236}">
+                <a16:creationId xmlns:a16="http://schemas.microsoft.com/office/drawing/2014/main" id="{1B1EF99C-F5A2-4B37-6E41-29954CEC8BE6}"/>
+              </a:ext>
+            </a:extLst>
+          </p:cNvPr>
+          <p:cNvSpPr/>
+          <p:nvPr/>
+        </p:nvSpPr>
+        <p:spPr>
+          <a:xfrm>
+            <a:off x="5801027" y="3340514"/>
+            <a:ext cx="186813" cy="186808"/>
+          </a:xfrm>
+          <a:prstGeom prst="flowChartConnector">
+            <a:avLst/>
+          </a:prstGeom>
+          <a:solidFill>
+            <a:srgbClr val="0070C0"/>
+          </a:solidFill>
+        </p:spPr>
+        <p:style>
+          <a:lnRef idx="2">
+            <a:schemeClr val="accent1">
+              <a:shade val="15000"/>
+            </a:schemeClr>
+          </a:lnRef>
+          <a:fillRef idx="1">
+            <a:schemeClr val="accent1"/>
+          </a:fillRef>
+          <a:effectRef idx="0">
+            <a:schemeClr val="accent1"/>
+          </a:effectRef>
+          <a:fontRef idx="minor">
+            <a:schemeClr val="lt1"/>
+          </a:fontRef>
+        </p:style>
+        <p:txBody>
+          <a:bodyPr rtlCol="0" anchor="ctr"/>
+          <a:lstStyle/>
+          <a:p>
+            <a:pPr algn="ctr"/>
+            <a:endParaRPr lang="en-IN"/>
+          </a:p>
+        </p:txBody>
+      </p:sp>
+      <p:sp>
+        <p:nvSpPr>
+          <p:cNvPr id="9" name="Flowchart: Connector 8">
+            <a:extLst>
+              <a:ext uri="{FF2B5EF4-FFF2-40B4-BE49-F238E27FC236}">
+                <a16:creationId xmlns:a16="http://schemas.microsoft.com/office/drawing/2014/main" id="{203C658B-BD1E-B4AB-CE24-567071C71846}"/>
+              </a:ext>
+            </a:extLst>
+          </p:cNvPr>
+          <p:cNvSpPr/>
+          <p:nvPr/>
+        </p:nvSpPr>
+        <p:spPr>
+          <a:xfrm>
+            <a:off x="6499123" y="3330684"/>
+            <a:ext cx="186813" cy="186808"/>
+          </a:xfrm>
+          <a:prstGeom prst="flowChartConnector">
+            <a:avLst/>
+          </a:prstGeom>
+          <a:solidFill>
+            <a:srgbClr val="0070C0"/>
+          </a:solidFill>
+        </p:spPr>
+        <p:style>
+          <a:lnRef idx="2">
+            <a:schemeClr val="accent1">
+              <a:shade val="15000"/>
+            </a:schemeClr>
+          </a:lnRef>
+          <a:fillRef idx="1">
+            <a:schemeClr val="accent1"/>
+          </a:fillRef>
+          <a:effectRef idx="0">
+            <a:schemeClr val="accent1"/>
+          </a:effectRef>
+          <a:fontRef idx="minor">
+            <a:schemeClr val="lt1"/>
+          </a:fontRef>
+        </p:style>
+        <p:txBody>
+          <a:bodyPr rtlCol="0" anchor="ctr"/>
+          <a:lstStyle/>
+          <a:p>
+            <a:pPr algn="ctr"/>
+            <a:endParaRPr lang="en-IN"/>
+          </a:p>
+        </p:txBody>
+      </p:sp>
+      <p:sp>
+        <p:nvSpPr>
+          <p:cNvPr id="10" name="Flowchart: Connector 9">
+            <a:extLst>
+              <a:ext uri="{FF2B5EF4-FFF2-40B4-BE49-F238E27FC236}">
+                <a16:creationId xmlns:a16="http://schemas.microsoft.com/office/drawing/2014/main" id="{49FFB248-816B-3A98-ACF9-AD89EB9273A9}"/>
+              </a:ext>
+            </a:extLst>
+          </p:cNvPr>
+          <p:cNvSpPr/>
+          <p:nvPr/>
+        </p:nvSpPr>
+        <p:spPr>
+          <a:xfrm>
+            <a:off x="6681019" y="3335604"/>
+            <a:ext cx="186813" cy="186808"/>
+          </a:xfrm>
+          <a:prstGeom prst="flowChartConnector">
+            <a:avLst/>
+          </a:prstGeom>
+          <a:solidFill>
+            <a:srgbClr val="0070C0"/>
+          </a:solidFill>
+        </p:spPr>
+        <p:style>
+          <a:lnRef idx="2">
+            <a:schemeClr val="accent1">
+              <a:shade val="15000"/>
+            </a:schemeClr>
+          </a:lnRef>
+          <a:fillRef idx="1">
+            <a:schemeClr val="accent1"/>
+          </a:fillRef>
+          <a:effectRef idx="0">
+            <a:schemeClr val="accent1"/>
+          </a:effectRef>
+          <a:fontRef idx="minor">
+            <a:schemeClr val="lt1"/>
+          </a:fontRef>
+        </p:style>
+        <p:txBody>
+          <a:bodyPr rtlCol="0" anchor="ctr"/>
+          <a:lstStyle/>
+          <a:p>
+            <a:pPr algn="ctr"/>
+            <a:endParaRPr lang="en-IN"/>
+          </a:p>
+        </p:txBody>
+      </p:sp>
+      <p:sp>
+        <p:nvSpPr>
+          <p:cNvPr id="11" name="Flowchart: Connector 10">
+            <a:extLst>
+              <a:ext uri="{FF2B5EF4-FFF2-40B4-BE49-F238E27FC236}">
+                <a16:creationId xmlns:a16="http://schemas.microsoft.com/office/drawing/2014/main" id="{52B0A877-5CFF-6CEE-0B8E-0C6916521D86}"/>
+              </a:ext>
+            </a:extLst>
+          </p:cNvPr>
+          <p:cNvSpPr/>
+          <p:nvPr/>
+        </p:nvSpPr>
+        <p:spPr>
+          <a:xfrm>
+            <a:off x="5294665" y="3335604"/>
+            <a:ext cx="186813" cy="186808"/>
+          </a:xfrm>
+          <a:prstGeom prst="flowChartConnector">
+            <a:avLst/>
+          </a:prstGeom>
+          <a:solidFill>
+            <a:srgbClr val="0070C0"/>
+          </a:solidFill>
+        </p:spPr>
+        <p:style>
+          <a:lnRef idx="2">
+            <a:schemeClr val="accent1">
+              <a:shade val="15000"/>
+            </a:schemeClr>
+          </a:lnRef>
+          <a:fillRef idx="1">
+            <a:schemeClr val="accent1"/>
+          </a:fillRef>
+          <a:effectRef idx="0">
+            <a:schemeClr val="accent1"/>
+          </a:effectRef>
+          <a:fontRef idx="minor">
+            <a:schemeClr val="lt1"/>
+          </a:fontRef>
+        </p:style>
+        <p:txBody>
+          <a:bodyPr rtlCol="0" anchor="ctr"/>
+          <a:lstStyle/>
+          <a:p>
+            <a:pPr algn="ctr"/>
+            <a:endParaRPr lang="en-IN"/>
+          </a:p>
+        </p:txBody>
+      </p:sp>
+      <p:sp>
+        <p:nvSpPr>
+          <p:cNvPr id="12" name="Flowchart: Connector 11">
+            <a:extLst>
+              <a:ext uri="{FF2B5EF4-FFF2-40B4-BE49-F238E27FC236}">
+                <a16:creationId xmlns:a16="http://schemas.microsoft.com/office/drawing/2014/main" id="{BF09AF42-EB3B-3FE6-EB61-17670C6D60AE}"/>
+              </a:ext>
+            </a:extLst>
+          </p:cNvPr>
+          <p:cNvSpPr/>
+          <p:nvPr/>
+        </p:nvSpPr>
+        <p:spPr>
+          <a:xfrm>
+            <a:off x="5476561" y="3330692"/>
+            <a:ext cx="186813" cy="186808"/>
+          </a:xfrm>
+          <a:prstGeom prst="flowChartConnector">
+            <a:avLst/>
+          </a:prstGeom>
+          <a:solidFill>
+            <a:srgbClr val="0070C0"/>
+          </a:solidFill>
+        </p:spPr>
+        <p:style>
+          <a:lnRef idx="2">
+            <a:schemeClr val="accent1">
+              <a:shade val="15000"/>
+            </a:schemeClr>
+          </a:lnRef>
+          <a:fillRef idx="1">
+            <a:schemeClr val="accent1"/>
+          </a:fillRef>
+          <a:effectRef idx="0">
+            <a:schemeClr val="accent1"/>
+          </a:effectRef>
+          <a:fontRef idx="minor">
+            <a:schemeClr val="lt1"/>
+          </a:fontRef>
+        </p:style>
+        <p:txBody>
+          <a:bodyPr rtlCol="0" anchor="ctr"/>
+          <a:lstStyle/>
+          <a:p>
+            <a:pPr algn="ctr"/>
+            <a:endParaRPr lang="en-IN"/>
+          </a:p>
+        </p:txBody>
+      </p:sp>
+      <p:sp>
+        <p:nvSpPr>
+          <p:cNvPr id="13" name="Flowchart: Connector 12">
+            <a:extLst>
+              <a:ext uri="{FF2B5EF4-FFF2-40B4-BE49-F238E27FC236}">
+                <a16:creationId xmlns:a16="http://schemas.microsoft.com/office/drawing/2014/main" id="{6BFC0EE7-8FFC-9D8A-EA82-CB31F3784E14}"/>
+              </a:ext>
+            </a:extLst>
+          </p:cNvPr>
+          <p:cNvSpPr/>
+          <p:nvPr/>
+        </p:nvSpPr>
+        <p:spPr>
+          <a:xfrm>
+            <a:off x="7295540" y="3330684"/>
+            <a:ext cx="186813" cy="186808"/>
+          </a:xfrm>
+          <a:prstGeom prst="flowChartConnector">
+            <a:avLst/>
+          </a:prstGeom>
+          <a:solidFill>
+            <a:srgbClr val="0070C0"/>
+          </a:solidFill>
+        </p:spPr>
+        <p:style>
+          <a:lnRef idx="2">
+            <a:schemeClr val="accent1">
+              <a:shade val="15000"/>
+            </a:schemeClr>
+          </a:lnRef>
+          <a:fillRef idx="1">
+            <a:schemeClr val="accent1"/>
+          </a:fillRef>
+          <a:effectRef idx="0">
+            <a:schemeClr val="accent1"/>
+          </a:effectRef>
+          <a:fontRef idx="minor">
+            <a:schemeClr val="lt1"/>
+          </a:fontRef>
+        </p:style>
+        <p:txBody>
+          <a:bodyPr rtlCol="0" anchor="ctr"/>
+          <a:lstStyle/>
+          <a:p>
+            <a:pPr algn="ctr"/>
+            <a:endParaRPr lang="en-IN"/>
+          </a:p>
+        </p:txBody>
+      </p:sp>
+      <p:sp>
+        <p:nvSpPr>
+          <p:cNvPr id="14" name="Flowchart: Connector 13">
+            <a:extLst>
+              <a:ext uri="{FF2B5EF4-FFF2-40B4-BE49-F238E27FC236}">
+                <a16:creationId xmlns:a16="http://schemas.microsoft.com/office/drawing/2014/main" id="{E6C2865D-AC2C-BE79-E841-B79FC5A444AA}"/>
+              </a:ext>
+            </a:extLst>
+          </p:cNvPr>
+          <p:cNvSpPr/>
+          <p:nvPr/>
+        </p:nvSpPr>
+        <p:spPr>
+          <a:xfrm>
+            <a:off x="4685061" y="3335596"/>
+            <a:ext cx="186813" cy="186808"/>
+          </a:xfrm>
+          <a:prstGeom prst="flowChartConnector">
+            <a:avLst/>
+          </a:prstGeom>
+          <a:solidFill>
+            <a:srgbClr val="0070C0"/>
+          </a:solidFill>
+        </p:spPr>
+        <p:style>
+          <a:lnRef idx="2">
+            <a:schemeClr val="accent1">
+              <a:shade val="15000"/>
+            </a:schemeClr>
+          </a:lnRef>
+          <a:fillRef idx="1">
+            <a:schemeClr val="accent1"/>
+          </a:fillRef>
+          <a:effectRef idx="0">
+            <a:schemeClr val="accent1"/>
+          </a:effectRef>
+          <a:fontRef idx="minor">
+            <a:schemeClr val="lt1"/>
+          </a:fontRef>
+        </p:style>
+        <p:txBody>
+          <a:bodyPr rtlCol="0" anchor="ctr"/>
+          <a:lstStyle/>
+          <a:p>
+            <a:pPr algn="ctr"/>
+            <a:endParaRPr lang="en-IN"/>
+          </a:p>
+        </p:txBody>
+      </p:sp>
+      <p:sp>
+        <p:nvSpPr>
+          <p:cNvPr id="15" name="Flowchart: Connector 14">
+            <a:extLst>
+              <a:ext uri="{FF2B5EF4-FFF2-40B4-BE49-F238E27FC236}">
+                <a16:creationId xmlns:a16="http://schemas.microsoft.com/office/drawing/2014/main" id="{0E702796-D1CA-430F-103B-403DE96D6F49}"/>
+              </a:ext>
+            </a:extLst>
+          </p:cNvPr>
+          <p:cNvSpPr/>
+          <p:nvPr/>
+        </p:nvSpPr>
+        <p:spPr>
+          <a:xfrm>
+            <a:off x="4068072" y="3347884"/>
+            <a:ext cx="186813" cy="186808"/>
+          </a:xfrm>
+          <a:prstGeom prst="flowChartConnector">
+            <a:avLst/>
+          </a:prstGeom>
+          <a:solidFill>
+            <a:srgbClr val="0070C0"/>
+          </a:solidFill>
+        </p:spPr>
+        <p:style>
+          <a:lnRef idx="2">
+            <a:schemeClr val="accent1">
+              <a:shade val="15000"/>
+            </a:schemeClr>
+          </a:lnRef>
+          <a:fillRef idx="1">
+            <a:schemeClr val="accent1"/>
+          </a:fillRef>
+          <a:effectRef idx="0">
+            <a:schemeClr val="accent1"/>
+          </a:effectRef>
+          <a:fontRef idx="minor">
+            <a:schemeClr val="lt1"/>
+          </a:fontRef>
+        </p:style>
+        <p:txBody>
+          <a:bodyPr rtlCol="0" anchor="ctr"/>
+          <a:lstStyle/>
+          <a:p>
+            <a:pPr algn="ctr"/>
+            <a:endParaRPr lang="en-IN"/>
+          </a:p>
+        </p:txBody>
+      </p:sp>
+      <p:sp>
+        <p:nvSpPr>
+          <p:cNvPr id="16" name="Flowchart: Connector 15">
+            <a:extLst>
+              <a:ext uri="{FF2B5EF4-FFF2-40B4-BE49-F238E27FC236}">
+                <a16:creationId xmlns:a16="http://schemas.microsoft.com/office/drawing/2014/main" id="{270A2DCC-A082-72A5-D073-70DEB1A94B7F}"/>
+              </a:ext>
+            </a:extLst>
+          </p:cNvPr>
+          <p:cNvSpPr/>
+          <p:nvPr/>
+        </p:nvSpPr>
+        <p:spPr>
+          <a:xfrm>
+            <a:off x="7910061" y="3330684"/>
+            <a:ext cx="186813" cy="186808"/>
+          </a:xfrm>
+          <a:prstGeom prst="flowChartConnector">
+            <a:avLst/>
+          </a:prstGeom>
+          <a:solidFill>
+            <a:srgbClr val="0070C0"/>
+          </a:solidFill>
+        </p:spPr>
+        <p:style>
+          <a:lnRef idx="2">
+            <a:schemeClr val="accent1">
+              <a:shade val="15000"/>
+            </a:schemeClr>
+          </a:lnRef>
+          <a:fillRef idx="1">
+            <a:schemeClr val="accent1"/>
+          </a:fillRef>
+          <a:effectRef idx="0">
+            <a:schemeClr val="accent1"/>
+          </a:effectRef>
+          <a:fontRef idx="minor">
+            <a:schemeClr val="lt1"/>
+          </a:fontRef>
+        </p:style>
+        <p:txBody>
+          <a:bodyPr rtlCol="0" anchor="ctr"/>
+          <a:lstStyle/>
+          <a:p>
+            <a:pPr algn="ctr"/>
+            <a:endParaRPr lang="en-IN"/>
+          </a:p>
+        </p:txBody>
+      </p:sp>
+      <p:sp>
+        <p:nvSpPr>
+          <p:cNvPr id="17" name="Flowchart: Connector 16">
+            <a:extLst>
+              <a:ext uri="{FF2B5EF4-FFF2-40B4-BE49-F238E27FC236}">
+                <a16:creationId xmlns:a16="http://schemas.microsoft.com/office/drawing/2014/main" id="{D6DB5379-0660-3DA1-F01F-59695F4F24F7}"/>
+              </a:ext>
+            </a:extLst>
+          </p:cNvPr>
+          <p:cNvSpPr/>
+          <p:nvPr/>
+        </p:nvSpPr>
+        <p:spPr>
+          <a:xfrm>
+            <a:off x="2959483" y="3330684"/>
+            <a:ext cx="186813" cy="186808"/>
+          </a:xfrm>
+          <a:prstGeom prst="flowChartConnector">
+            <a:avLst/>
+          </a:prstGeom>
+          <a:solidFill>
+            <a:srgbClr val="0070C0"/>
+          </a:solidFill>
+        </p:spPr>
+        <p:style>
+          <a:lnRef idx="2">
+            <a:schemeClr val="accent1">
+              <a:shade val="15000"/>
+            </a:schemeClr>
+          </a:lnRef>
+          <a:fillRef idx="1">
+            <a:schemeClr val="accent1"/>
+          </a:fillRef>
+          <a:effectRef idx="0">
+            <a:schemeClr val="accent1"/>
+          </a:effectRef>
+          <a:fontRef idx="minor">
+            <a:schemeClr val="lt1"/>
+          </a:fontRef>
+        </p:style>
+        <p:txBody>
+          <a:bodyPr rtlCol="0" anchor="ctr"/>
+          <a:lstStyle/>
+          <a:p>
+            <a:pPr algn="ctr"/>
+            <a:endParaRPr lang="en-IN"/>
+          </a:p>
+        </p:txBody>
+      </p:sp>
+      <p:sp>
+        <p:nvSpPr>
+          <p:cNvPr id="18" name="Flowchart: Connector 17">
+            <a:extLst>
+              <a:ext uri="{FF2B5EF4-FFF2-40B4-BE49-F238E27FC236}">
+                <a16:creationId xmlns:a16="http://schemas.microsoft.com/office/drawing/2014/main" id="{115948CA-3C1F-C086-7416-90FE6F72DD71}"/>
+              </a:ext>
+            </a:extLst>
+          </p:cNvPr>
+          <p:cNvSpPr/>
+          <p:nvPr/>
+        </p:nvSpPr>
+        <p:spPr>
+          <a:xfrm>
+            <a:off x="9232516" y="3347884"/>
+            <a:ext cx="186813" cy="186808"/>
+          </a:xfrm>
+          <a:prstGeom prst="flowChartConnector">
+            <a:avLst/>
+          </a:prstGeom>
+          <a:solidFill>
+            <a:srgbClr val="0070C0"/>
+          </a:solidFill>
+        </p:spPr>
+        <p:style>
+          <a:lnRef idx="2">
+            <a:schemeClr val="accent1">
+              <a:shade val="15000"/>
+            </a:schemeClr>
+          </a:lnRef>
+          <a:fillRef idx="1">
+            <a:schemeClr val="accent1"/>
+          </a:fillRef>
+          <a:effectRef idx="0">
+            <a:schemeClr val="accent1"/>
+          </a:effectRef>
+          <a:fontRef idx="minor">
+            <a:schemeClr val="lt1"/>
+          </a:fontRef>
+        </p:style>
+        <p:txBody>
+          <a:bodyPr rtlCol="0" anchor="ctr"/>
+          <a:lstStyle/>
+          <a:p>
+            <a:pPr algn="ctr"/>
+            <a:endParaRPr lang="en-IN"/>
+          </a:p>
+        </p:txBody>
+      </p:sp>
+      <p:grpSp>
+        <p:nvGrpSpPr>
+          <p:cNvPr id="22" name="Group 21">
+            <a:extLst>
+              <a:ext uri="{FF2B5EF4-FFF2-40B4-BE49-F238E27FC236}">
+                <a16:creationId xmlns:a16="http://schemas.microsoft.com/office/drawing/2014/main" id="{D8EB9DD2-C2AC-C797-4763-26892FDCFB0B}"/>
+              </a:ext>
+            </a:extLst>
+          </p:cNvPr>
+          <p:cNvGrpSpPr/>
+          <p:nvPr/>
+        </p:nvGrpSpPr>
+        <p:grpSpPr>
+          <a:xfrm>
+            <a:off x="2576052" y="2202427"/>
+            <a:ext cx="958618" cy="1315065"/>
+            <a:chOff x="2576052" y="2202427"/>
+            <a:chExt cx="958618" cy="1315065"/>
+          </a:xfrm>
+        </p:grpSpPr>
+        <p:sp>
+          <p:nvSpPr>
+            <p:cNvPr id="19" name="Freeform: Shape 18">
+              <a:extLst>
+                <a:ext uri="{FF2B5EF4-FFF2-40B4-BE49-F238E27FC236}">
+                  <a16:creationId xmlns:a16="http://schemas.microsoft.com/office/drawing/2014/main" id="{0E970C4C-332C-8A4F-4D25-F6C206639FCC}"/>
+                </a:ext>
+              </a:extLst>
+            </p:cNvPr>
+            <p:cNvSpPr/>
+            <p:nvPr/>
+          </p:nvSpPr>
+          <p:spPr>
+            <a:xfrm>
+              <a:off x="2576052" y="2202427"/>
+              <a:ext cx="958618" cy="909483"/>
+            </a:xfrm>
+            <a:custGeom>
+              <a:avLst/>
+              <a:gdLst>
+                <a:gd name="connsiteX0" fmla="*/ 0 w 845574"/>
+                <a:gd name="connsiteY0" fmla="*/ 914400 h 914400"/>
+                <a:gd name="connsiteX1" fmla="*/ 412955 w 845574"/>
+                <a:gd name="connsiteY1" fmla="*/ 0 h 914400"/>
+                <a:gd name="connsiteX2" fmla="*/ 845574 w 845574"/>
+                <a:gd name="connsiteY2" fmla="*/ 914400 h 914400"/>
+              </a:gdLst>
+              <a:ahLst/>
+              <a:cxnLst>
+                <a:cxn ang="0">
+                  <a:pos x="connsiteX0" y="connsiteY0"/>
+                </a:cxn>
+                <a:cxn ang="0">
+                  <a:pos x="connsiteX1" y="connsiteY1"/>
+                </a:cxn>
+                <a:cxn ang="0">
+                  <a:pos x="connsiteX2" y="connsiteY2"/>
+                </a:cxn>
+              </a:cxnLst>
+              <a:rect l="l" t="t" r="r" b="b"/>
+              <a:pathLst>
+                <a:path w="845574" h="914400">
+                  <a:moveTo>
+                    <a:pt x="0" y="914400"/>
+                  </a:moveTo>
+                  <a:cubicBezTo>
+                    <a:pt x="136013" y="457200"/>
+                    <a:pt x="272026" y="0"/>
+                    <a:pt x="412955" y="0"/>
+                  </a:cubicBezTo>
+                  <a:cubicBezTo>
+                    <a:pt x="553884" y="0"/>
+                    <a:pt x="766916" y="766916"/>
+                    <a:pt x="845574" y="914400"/>
+                  </a:cubicBezTo>
+                </a:path>
+              </a:pathLst>
+            </a:custGeom>
+            <a:noFill/>
+          </p:spPr>
+          <p:style>
+            <a:lnRef idx="2">
+              <a:schemeClr val="accent1">
+                <a:shade val="15000"/>
+              </a:schemeClr>
+            </a:lnRef>
+            <a:fillRef idx="1">
+              <a:schemeClr val="accent1"/>
+            </a:fillRef>
+            <a:effectRef idx="0">
+              <a:schemeClr val="accent1"/>
+            </a:effectRef>
+            <a:fontRef idx="minor">
+              <a:schemeClr val="lt1"/>
+            </a:fontRef>
+          </p:style>
+          <p:txBody>
+            <a:bodyPr rtlCol="0" anchor="ctr"/>
+            <a:lstStyle/>
+            <a:p>
+              <a:pPr algn="ctr"/>
+              <a:endParaRPr lang="en-IN"/>
+            </a:p>
+          </p:txBody>
+        </p:sp>
+        <p:cxnSp>
+          <p:nvCxnSpPr>
+            <p:cNvPr id="21" name="Straight Connector 20">
+              <a:extLst>
+                <a:ext uri="{FF2B5EF4-FFF2-40B4-BE49-F238E27FC236}">
+                  <a16:creationId xmlns:a16="http://schemas.microsoft.com/office/drawing/2014/main" id="{69CB27F5-F6AD-4DB5-AB48-EFFE493D35A9}"/>
+                </a:ext>
+              </a:extLst>
+            </p:cNvPr>
+            <p:cNvCxnSpPr>
+              <a:stCxn id="19" idx="1"/>
+              <a:endCxn id="17" idx="4"/>
+            </p:cNvCxnSpPr>
+            <p:nvPr/>
+          </p:nvCxnSpPr>
+          <p:spPr>
+            <a:xfrm>
+              <a:off x="3044215" y="2202427"/>
+              <a:ext cx="8675" cy="1315065"/>
+            </a:xfrm>
+            <a:prstGeom prst="line">
+              <a:avLst/>
+            </a:prstGeom>
+            <a:ln>
+              <a:prstDash val="dashDot"/>
+            </a:ln>
+          </p:spPr>
+          <p:style>
+            <a:lnRef idx="1">
+              <a:schemeClr val="accent1"/>
+            </a:lnRef>
+            <a:fillRef idx="0">
+              <a:schemeClr val="accent1"/>
+            </a:fillRef>
+            <a:effectRef idx="0">
+              <a:schemeClr val="accent1"/>
+            </a:effectRef>
+            <a:fontRef idx="minor">
+              <a:schemeClr val="tx1"/>
+            </a:fontRef>
+          </p:style>
+        </p:cxnSp>
+      </p:grpSp>
+      <p:grpSp>
+        <p:nvGrpSpPr>
+          <p:cNvPr id="23" name="Group 22">
+            <a:extLst>
+              <a:ext uri="{FF2B5EF4-FFF2-40B4-BE49-F238E27FC236}">
+                <a16:creationId xmlns:a16="http://schemas.microsoft.com/office/drawing/2014/main" id="{0C3C033F-948B-4FDE-8D7C-421BD27B3DE0}"/>
+              </a:ext>
+            </a:extLst>
+          </p:cNvPr>
+          <p:cNvGrpSpPr/>
+          <p:nvPr/>
+        </p:nvGrpSpPr>
+        <p:grpSpPr>
+          <a:xfrm>
+            <a:off x="3692008" y="2217179"/>
+            <a:ext cx="958618" cy="1315065"/>
+            <a:chOff x="2576052" y="2202427"/>
+            <a:chExt cx="958618" cy="1315065"/>
+          </a:xfrm>
+        </p:grpSpPr>
+        <p:sp>
+          <p:nvSpPr>
+            <p:cNvPr id="24" name="Freeform: Shape 23">
+              <a:extLst>
+                <a:ext uri="{FF2B5EF4-FFF2-40B4-BE49-F238E27FC236}">
+                  <a16:creationId xmlns:a16="http://schemas.microsoft.com/office/drawing/2014/main" id="{F99D1001-9AA3-AE76-F7DE-B01C2422666D}"/>
+                </a:ext>
+              </a:extLst>
+            </p:cNvPr>
+            <p:cNvSpPr/>
+            <p:nvPr/>
+          </p:nvSpPr>
+          <p:spPr>
+            <a:xfrm>
+              <a:off x="2576052" y="2202427"/>
+              <a:ext cx="958618" cy="909483"/>
+            </a:xfrm>
+            <a:custGeom>
+              <a:avLst/>
+              <a:gdLst>
+                <a:gd name="connsiteX0" fmla="*/ 0 w 845574"/>
+                <a:gd name="connsiteY0" fmla="*/ 914400 h 914400"/>
+                <a:gd name="connsiteX1" fmla="*/ 412955 w 845574"/>
+                <a:gd name="connsiteY1" fmla="*/ 0 h 914400"/>
+                <a:gd name="connsiteX2" fmla="*/ 845574 w 845574"/>
+                <a:gd name="connsiteY2" fmla="*/ 914400 h 914400"/>
+              </a:gdLst>
+              <a:ahLst/>
+              <a:cxnLst>
+                <a:cxn ang="0">
+                  <a:pos x="connsiteX0" y="connsiteY0"/>
+                </a:cxn>
+                <a:cxn ang="0">
+                  <a:pos x="connsiteX1" y="connsiteY1"/>
+                </a:cxn>
+                <a:cxn ang="0">
+                  <a:pos x="connsiteX2" y="connsiteY2"/>
+                </a:cxn>
+              </a:cxnLst>
+              <a:rect l="l" t="t" r="r" b="b"/>
+              <a:pathLst>
+                <a:path w="845574" h="914400">
+                  <a:moveTo>
+                    <a:pt x="0" y="914400"/>
+                  </a:moveTo>
+                  <a:cubicBezTo>
+                    <a:pt x="136013" y="457200"/>
+                    <a:pt x="272026" y="0"/>
+                    <a:pt x="412955" y="0"/>
+                  </a:cubicBezTo>
+                  <a:cubicBezTo>
+                    <a:pt x="553884" y="0"/>
+                    <a:pt x="766916" y="766916"/>
+                    <a:pt x="845574" y="914400"/>
+                  </a:cubicBezTo>
+                </a:path>
+              </a:pathLst>
+            </a:custGeom>
+            <a:noFill/>
+          </p:spPr>
+          <p:style>
+            <a:lnRef idx="2">
+              <a:schemeClr val="accent1">
+                <a:shade val="15000"/>
+              </a:schemeClr>
+            </a:lnRef>
+            <a:fillRef idx="1">
+              <a:schemeClr val="accent1"/>
+            </a:fillRef>
+            <a:effectRef idx="0">
+              <a:schemeClr val="accent1"/>
+            </a:effectRef>
+            <a:fontRef idx="minor">
+              <a:schemeClr val="lt1"/>
+            </a:fontRef>
+          </p:style>
+          <p:txBody>
+            <a:bodyPr rtlCol="0" anchor="ctr"/>
+            <a:lstStyle/>
+            <a:p>
+              <a:pPr algn="ctr"/>
+              <a:endParaRPr lang="en-IN"/>
+            </a:p>
+          </p:txBody>
+        </p:sp>
+        <p:cxnSp>
+          <p:nvCxnSpPr>
+            <p:cNvPr id="25" name="Straight Connector 24">
+              <a:extLst>
+                <a:ext uri="{FF2B5EF4-FFF2-40B4-BE49-F238E27FC236}">
+                  <a16:creationId xmlns:a16="http://schemas.microsoft.com/office/drawing/2014/main" id="{361878D5-13A2-1D9E-A9EF-48A4A90E99B9}"/>
+                </a:ext>
+              </a:extLst>
+            </p:cNvPr>
+            <p:cNvCxnSpPr>
+              <a:stCxn id="24" idx="1"/>
+            </p:cNvCxnSpPr>
+            <p:nvPr/>
+          </p:nvCxnSpPr>
+          <p:spPr>
+            <a:xfrm>
+              <a:off x="3044215" y="2202427"/>
+              <a:ext cx="8675" cy="1315065"/>
+            </a:xfrm>
+            <a:prstGeom prst="line">
+              <a:avLst/>
+            </a:prstGeom>
+            <a:ln>
+              <a:prstDash val="dashDot"/>
+            </a:ln>
+          </p:spPr>
+          <p:style>
+            <a:lnRef idx="1">
+              <a:schemeClr val="accent1"/>
+            </a:lnRef>
+            <a:fillRef idx="0">
+              <a:schemeClr val="accent1"/>
+            </a:fillRef>
+            <a:effectRef idx="0">
+              <a:schemeClr val="accent1"/>
+            </a:effectRef>
+            <a:fontRef idx="minor">
+              <a:schemeClr val="tx1"/>
+            </a:fontRef>
+          </p:style>
+        </p:cxnSp>
+      </p:grpSp>
+      <p:grpSp>
+        <p:nvGrpSpPr>
+          <p:cNvPr id="26" name="Group 25">
+            <a:extLst>
+              <a:ext uri="{FF2B5EF4-FFF2-40B4-BE49-F238E27FC236}">
+                <a16:creationId xmlns:a16="http://schemas.microsoft.com/office/drawing/2014/main" id="{2F6A4330-FF36-D880-9992-965A7363E623}"/>
+              </a:ext>
+            </a:extLst>
+          </p:cNvPr>
+          <p:cNvGrpSpPr/>
+          <p:nvPr/>
+        </p:nvGrpSpPr>
+        <p:grpSpPr>
+          <a:xfrm>
+            <a:off x="5624044" y="2231931"/>
+            <a:ext cx="958618" cy="1315065"/>
+            <a:chOff x="2576052" y="2202427"/>
+            <a:chExt cx="958618" cy="1315065"/>
+          </a:xfrm>
+        </p:grpSpPr>
+        <p:sp>
+          <p:nvSpPr>
+            <p:cNvPr id="27" name="Freeform: Shape 26">
+              <a:extLst>
+                <a:ext uri="{FF2B5EF4-FFF2-40B4-BE49-F238E27FC236}">
+                  <a16:creationId xmlns:a16="http://schemas.microsoft.com/office/drawing/2014/main" id="{94B3CA37-9FCA-7FEA-6463-657D23D92BD9}"/>
+                </a:ext>
+              </a:extLst>
+            </p:cNvPr>
+            <p:cNvSpPr/>
+            <p:nvPr/>
+          </p:nvSpPr>
+          <p:spPr>
+            <a:xfrm>
+              <a:off x="2576052" y="2202427"/>
+              <a:ext cx="958618" cy="909483"/>
+            </a:xfrm>
+            <a:custGeom>
+              <a:avLst/>
+              <a:gdLst>
+                <a:gd name="connsiteX0" fmla="*/ 0 w 845574"/>
+                <a:gd name="connsiteY0" fmla="*/ 914400 h 914400"/>
+                <a:gd name="connsiteX1" fmla="*/ 412955 w 845574"/>
+                <a:gd name="connsiteY1" fmla="*/ 0 h 914400"/>
+                <a:gd name="connsiteX2" fmla="*/ 845574 w 845574"/>
+                <a:gd name="connsiteY2" fmla="*/ 914400 h 914400"/>
+              </a:gdLst>
+              <a:ahLst/>
+              <a:cxnLst>
+                <a:cxn ang="0">
+                  <a:pos x="connsiteX0" y="connsiteY0"/>
+                </a:cxn>
+                <a:cxn ang="0">
+                  <a:pos x="connsiteX1" y="connsiteY1"/>
+                </a:cxn>
+                <a:cxn ang="0">
+                  <a:pos x="connsiteX2" y="connsiteY2"/>
+                </a:cxn>
+              </a:cxnLst>
+              <a:rect l="l" t="t" r="r" b="b"/>
+              <a:pathLst>
+                <a:path w="845574" h="914400">
+                  <a:moveTo>
+                    <a:pt x="0" y="914400"/>
+                  </a:moveTo>
+                  <a:cubicBezTo>
+                    <a:pt x="136013" y="457200"/>
+                    <a:pt x="272026" y="0"/>
+                    <a:pt x="412955" y="0"/>
+                  </a:cubicBezTo>
+                  <a:cubicBezTo>
+                    <a:pt x="553884" y="0"/>
+                    <a:pt x="766916" y="766916"/>
+                    <a:pt x="845574" y="914400"/>
+                  </a:cubicBezTo>
+                </a:path>
+              </a:pathLst>
+            </a:custGeom>
+            <a:noFill/>
+          </p:spPr>
+          <p:style>
+            <a:lnRef idx="2">
+              <a:schemeClr val="accent1">
+                <a:shade val="15000"/>
+              </a:schemeClr>
+            </a:lnRef>
+            <a:fillRef idx="1">
+              <a:schemeClr val="accent1"/>
+            </a:fillRef>
+            <a:effectRef idx="0">
+              <a:schemeClr val="accent1"/>
+            </a:effectRef>
+            <a:fontRef idx="minor">
+              <a:schemeClr val="lt1"/>
+            </a:fontRef>
+          </p:style>
+          <p:txBody>
+            <a:bodyPr rtlCol="0" anchor="ctr"/>
+            <a:lstStyle/>
+            <a:p>
+              <a:pPr algn="ctr"/>
+              <a:endParaRPr lang="en-IN"/>
+            </a:p>
+          </p:txBody>
+        </p:sp>
+        <p:cxnSp>
+          <p:nvCxnSpPr>
+            <p:cNvPr id="28" name="Straight Connector 27">
+              <a:extLst>
+                <a:ext uri="{FF2B5EF4-FFF2-40B4-BE49-F238E27FC236}">
+                  <a16:creationId xmlns:a16="http://schemas.microsoft.com/office/drawing/2014/main" id="{BEB4D657-14F6-91D6-9616-BA546209C566}"/>
+                </a:ext>
+              </a:extLst>
+            </p:cNvPr>
+            <p:cNvCxnSpPr>
+              <a:stCxn id="27" idx="1"/>
+            </p:cNvCxnSpPr>
+            <p:nvPr/>
+          </p:nvCxnSpPr>
+          <p:spPr>
+            <a:xfrm>
+              <a:off x="3044215" y="2202427"/>
+              <a:ext cx="8675" cy="1315065"/>
+            </a:xfrm>
+            <a:prstGeom prst="line">
+              <a:avLst/>
+            </a:prstGeom>
+            <a:ln>
+              <a:prstDash val="dashDot"/>
+            </a:ln>
+          </p:spPr>
+          <p:style>
+            <a:lnRef idx="1">
+              <a:schemeClr val="accent1"/>
+            </a:lnRef>
+            <a:fillRef idx="0">
+              <a:schemeClr val="accent1"/>
+            </a:fillRef>
+            <a:effectRef idx="0">
+              <a:schemeClr val="accent1"/>
+            </a:effectRef>
+            <a:fontRef idx="minor">
+              <a:schemeClr val="tx1"/>
+            </a:fontRef>
+          </p:style>
+        </p:cxnSp>
+      </p:grpSp>
+      <p:sp>
+        <p:nvSpPr>
+          <p:cNvPr id="29" name="Title 1">
+            <a:extLst>
+              <a:ext uri="{FF2B5EF4-FFF2-40B4-BE49-F238E27FC236}">
+                <a16:creationId xmlns:a16="http://schemas.microsoft.com/office/drawing/2014/main" id="{CA77DFE5-645D-15CD-27ED-DE681FD6279A}"/>
+              </a:ext>
+            </a:extLst>
+          </p:cNvPr>
+          <p:cNvSpPr>
+            <a:spLocks noGrp="1"/>
+          </p:cNvSpPr>
+          <p:nvPr>
+            <p:ph type="title"/>
+          </p:nvPr>
+        </p:nvSpPr>
+        <p:spPr>
+          <a:xfrm>
+            <a:off x="1097280" y="286603"/>
+            <a:ext cx="10058400" cy="1450757"/>
+          </a:xfrm>
+        </p:spPr>
+        <p:txBody>
+          <a:bodyPr>
+            <a:normAutofit/>
+          </a:bodyPr>
+          <a:lstStyle/>
+          <a:p>
+            <a:r>
+              <a:rPr lang="en-US" sz="4000" i="1"/>
+              <a:t>Maximum Likelihood</a:t>
+            </a:r>
+            <a:endParaRPr lang="en-IN" sz="4000" dirty="0"/>
+          </a:p>
+        </p:txBody>
+      </p:sp>
+    </p:spTree>
+    <p:extLst>
+      <p:ext uri="{BB962C8B-B14F-4D97-AF65-F5344CB8AC3E}">
+        <p14:creationId xmlns:p14="http://schemas.microsoft.com/office/powerpoint/2010/main" val="4275031585"/>
+      </p:ext>
+    </p:extLst>
+  </p:cSld>
+  <p:clrMapOvr>
+    <a:masterClrMapping/>
+  </p:clrMapOvr>
+</p:sld>
+</file>
+
+<file path=ppt/slides/slide13.xml><?xml version="1.0" encoding="utf-8"?>
+<p:sld xmlns:a="http://schemas.openxmlformats.org/drawingml/2006/main" xmlns:r="http://schemas.openxmlformats.org/officeDocument/2006/relationships" xmlns:p="http://schemas.openxmlformats.org/presentationml/2006/main">
+  <p:cSld>
+    <p:spTree>
+      <p:nvGrpSpPr>
+        <p:cNvPr id="1" name=""/>
+        <p:cNvGrpSpPr/>
+        <p:nvPr/>
+      </p:nvGrpSpPr>
+      <p:grpSpPr>
+        <a:xfrm>
+          <a:off x="0" y="0"/>
+          <a:ext cx="0" cy="0"/>
+          <a:chOff x="0" y="0"/>
+          <a:chExt cx="0" cy="0"/>
+        </a:xfrm>
+      </p:grpSpPr>
+      <p:sp>
+        <p:nvSpPr>
+          <p:cNvPr id="2" name="Title 1">
+            <a:extLst>
+              <a:ext uri="{FF2B5EF4-FFF2-40B4-BE49-F238E27FC236}">
+                <a16:creationId xmlns:a16="http://schemas.microsoft.com/office/drawing/2014/main" id="{A14F24AC-B1EF-678A-809A-38E1866E107A}"/>
+              </a:ext>
+            </a:extLst>
+          </p:cNvPr>
+          <p:cNvSpPr>
+            <a:spLocks noGrp="1"/>
+          </p:cNvSpPr>
+          <p:nvPr>
+            <p:ph type="title"/>
+          </p:nvPr>
+        </p:nvSpPr>
+        <p:spPr/>
+        <p:txBody>
+          <a:bodyPr/>
+          <a:lstStyle/>
+          <a:p>
+            <a:r>
+              <a:rPr lang="en-IN" i="1" dirty="0"/>
+              <a:t>Population and Sample</a:t>
+            </a:r>
+          </a:p>
+        </p:txBody>
+      </p:sp>
+      <p:pic>
+        <p:nvPicPr>
+          <p:cNvPr id="5" name="Picture 4">
+            <a:extLst>
+              <a:ext uri="{FF2B5EF4-FFF2-40B4-BE49-F238E27FC236}">
+                <a16:creationId xmlns:a16="http://schemas.microsoft.com/office/drawing/2014/main" id="{7C472968-359A-E8B3-F2F1-B2C5ACE6E8AE}"/>
+              </a:ext>
+            </a:extLst>
+          </p:cNvPr>
+          <p:cNvPicPr>
+            <a:picLocks noChangeAspect="1"/>
+          </p:cNvPicPr>
+          <p:nvPr/>
+        </p:nvPicPr>
+        <p:blipFill>
+          <a:blip r:embed="rId2"/>
+          <a:stretch>
+            <a:fillRect/>
+          </a:stretch>
+        </p:blipFill>
+        <p:spPr>
+          <a:xfrm>
+            <a:off x="2342942" y="2093199"/>
+            <a:ext cx="7506115" cy="3928982"/>
+          </a:xfrm>
+          <a:prstGeom prst="rect">
+            <a:avLst/>
+          </a:prstGeom>
+        </p:spPr>
+      </p:pic>
+    </p:spTree>
+    <p:extLst>
+      <p:ext uri="{BB962C8B-B14F-4D97-AF65-F5344CB8AC3E}">
+        <p14:creationId xmlns:p14="http://schemas.microsoft.com/office/powerpoint/2010/main" val="3400281297"/>
+      </p:ext>
+    </p:extLst>
+  </p:cSld>
+  <p:clrMapOvr>
+    <a:masterClrMapping/>
+  </p:clrMapOvr>
+</p:sld>
+</file>
+
+<file path=ppt/slides/slide14.xml><?xml version="1.0" encoding="utf-8"?>
+<p:sld xmlns:a="http://schemas.openxmlformats.org/drawingml/2006/main" xmlns:r="http://schemas.openxmlformats.org/officeDocument/2006/relationships" xmlns:p="http://schemas.openxmlformats.org/presentationml/2006/main">
+  <p:cSld>
+    <p:spTree>
+      <p:nvGrpSpPr>
+        <p:cNvPr id="1" name=""/>
+        <p:cNvGrpSpPr/>
+        <p:nvPr/>
+      </p:nvGrpSpPr>
+      <p:grpSpPr>
+        <a:xfrm>
+          <a:off x="0" y="0"/>
+          <a:ext cx="0" cy="0"/>
+          <a:chOff x="0" y="0"/>
+          <a:chExt cx="0" cy="0"/>
+        </a:xfrm>
+      </p:grpSpPr>
+      <p:sp>
+        <p:nvSpPr>
+          <p:cNvPr id="2" name="Title 1">
+            <a:extLst>
+              <a:ext uri="{FF2B5EF4-FFF2-40B4-BE49-F238E27FC236}">
+                <a16:creationId xmlns:a16="http://schemas.microsoft.com/office/drawing/2014/main" id="{56EE1FB6-04B0-A4C7-5D79-B2F72F901635}"/>
+              </a:ext>
+            </a:extLst>
+          </p:cNvPr>
+          <p:cNvSpPr>
+            <a:spLocks noGrp="1"/>
+          </p:cNvSpPr>
+          <p:nvPr>
+            <p:ph type="title"/>
+          </p:nvPr>
+        </p:nvSpPr>
+        <p:spPr/>
+        <p:txBody>
+          <a:bodyPr/>
+          <a:lstStyle/>
+          <a:p>
+            <a:r>
+              <a:rPr lang="en-IN" i="1" dirty="0"/>
+              <a:t>Important characteristics</a:t>
+            </a:r>
+          </a:p>
+        </p:txBody>
+      </p:sp>
+      <p:sp>
+        <p:nvSpPr>
+          <p:cNvPr id="3" name="Content Placeholder 2">
+            <a:extLst>
+              <a:ext uri="{FF2B5EF4-FFF2-40B4-BE49-F238E27FC236}">
+                <a16:creationId xmlns:a16="http://schemas.microsoft.com/office/drawing/2014/main" id="{08C7A216-8ECF-81DA-B68C-D7EAEDD7740B}"/>
+              </a:ext>
+            </a:extLst>
+          </p:cNvPr>
+          <p:cNvSpPr>
+            <a:spLocks noGrp="1"/>
+          </p:cNvSpPr>
+          <p:nvPr>
+            <p:ph idx="1"/>
+          </p:nvPr>
+        </p:nvSpPr>
+        <p:spPr/>
+        <p:txBody>
+          <a:bodyPr/>
+          <a:lstStyle/>
+          <a:p>
+            <a:pPr>
+              <a:buFont typeface="Wingdings" panose="05000000000000000000" pitchFamily="2" charset="2"/>
+              <a:buChar char="Ø"/>
+            </a:pPr>
+            <a:r>
+              <a:rPr lang="en-IN" dirty="0"/>
+              <a:t> The main goal is to make generalizations of population from samples drawn. For example, the actual mean might be hard to find but using inferential statistic, we can approximate it (probabilistic approach).</a:t>
+            </a:r>
+          </a:p>
+          <a:p>
+            <a:pPr>
+              <a:buFont typeface="Wingdings" panose="05000000000000000000" pitchFamily="2" charset="2"/>
+              <a:buChar char="Ø"/>
+            </a:pPr>
+            <a:r>
+              <a:rPr lang="en-IN" dirty="0"/>
+              <a:t> Hypothesis testing: </a:t>
+            </a:r>
+            <a:r>
+              <a:rPr lang="en-US" dirty="0"/>
+              <a:t>This consists of forming a null and alternative hypothesis and using statistical tests to determine whether the null hypothesis can be rejected.</a:t>
+            </a:r>
+          </a:p>
+          <a:p>
+            <a:pPr>
+              <a:buFont typeface="Wingdings" panose="05000000000000000000" pitchFamily="2" charset="2"/>
+              <a:buChar char="Ø"/>
+            </a:pPr>
+            <a:r>
+              <a:rPr lang="en-US" dirty="0"/>
+              <a:t> Significance Testing: Inferential statistics involves significance testing to determine whether results are statistically significant, meaning that they are unlikely to have occurred by chance.</a:t>
+            </a:r>
+            <a:endParaRPr lang="en-IN" dirty="0"/>
+          </a:p>
+        </p:txBody>
+      </p:sp>
+    </p:spTree>
+    <p:extLst>
+      <p:ext uri="{BB962C8B-B14F-4D97-AF65-F5344CB8AC3E}">
+        <p14:creationId xmlns:p14="http://schemas.microsoft.com/office/powerpoint/2010/main" val="1833863860"/>
+      </p:ext>
+    </p:extLst>
+  </p:cSld>
+  <p:clrMapOvr>
+    <a:masterClrMapping/>
+  </p:clrMapOvr>
+</p:sld>
+</file>
+
+<file path=ppt/slides/slide15.xml><?xml version="1.0" encoding="utf-8"?>
+<p:sld xmlns:a="http://schemas.openxmlformats.org/drawingml/2006/main" xmlns:r="http://schemas.openxmlformats.org/officeDocument/2006/relationships" xmlns:p="http://schemas.openxmlformats.org/presentationml/2006/main">
+  <p:cSld>
+    <p:spTree>
+      <p:nvGrpSpPr>
+        <p:cNvPr id="1" name=""/>
+        <p:cNvGrpSpPr/>
+        <p:nvPr/>
+      </p:nvGrpSpPr>
+      <p:grpSpPr>
+        <a:xfrm>
+          <a:off x="0" y="0"/>
+          <a:ext cx="0" cy="0"/>
+          <a:chOff x="0" y="0"/>
+          <a:chExt cx="0" cy="0"/>
+        </a:xfrm>
+      </p:grpSpPr>
+      <p:sp>
+        <p:nvSpPr>
+          <p:cNvPr id="2" name="Title 1">
+            <a:extLst>
+              <a:ext uri="{FF2B5EF4-FFF2-40B4-BE49-F238E27FC236}">
+                <a16:creationId xmlns:a16="http://schemas.microsoft.com/office/drawing/2014/main" id="{B753A8F6-ED54-4E39-4FF9-CB78F8316580}"/>
+              </a:ext>
+            </a:extLst>
+          </p:cNvPr>
+          <p:cNvSpPr>
+            <a:spLocks noGrp="1"/>
+          </p:cNvSpPr>
+          <p:nvPr>
+            <p:ph type="title"/>
+          </p:nvPr>
+        </p:nvSpPr>
+        <p:spPr/>
+        <p:txBody>
+          <a:bodyPr/>
+          <a:lstStyle/>
+          <a:p>
+            <a:r>
+              <a:rPr lang="en-IN" i="1" dirty="0"/>
+              <a:t>Hypothesis Testing</a:t>
+            </a:r>
+          </a:p>
+        </p:txBody>
+      </p:sp>
+      <p:sp>
+        <p:nvSpPr>
+          <p:cNvPr id="3" name="Content Placeholder 2">
+            <a:extLst>
+              <a:ext uri="{FF2B5EF4-FFF2-40B4-BE49-F238E27FC236}">
+                <a16:creationId xmlns:a16="http://schemas.microsoft.com/office/drawing/2014/main" id="{2CDF59B0-469F-B6BA-2ED6-B7DBB964E842}"/>
+              </a:ext>
+            </a:extLst>
+          </p:cNvPr>
+          <p:cNvSpPr>
+            <a:spLocks noGrp="1"/>
+          </p:cNvSpPr>
+          <p:nvPr>
+            <p:ph idx="1"/>
+          </p:nvPr>
+        </p:nvSpPr>
+        <p:spPr/>
+        <p:txBody>
+          <a:bodyPr>
+            <a:normAutofit fontScale="85000" lnSpcReduction="20000"/>
+          </a:bodyPr>
+          <a:lstStyle/>
+          <a:p>
+            <a:r>
+              <a:rPr lang="en-US" i="1" dirty="0"/>
+              <a:t>Hypothesis testing </a:t>
+            </a:r>
+            <a:r>
+              <a:rPr lang="en-US" dirty="0"/>
+              <a:t>is a statistical method used to test claims about a population based on sample data. Hypothesis testing aims to determine whether the sample data provides enough evidence to support or reject a specific claim about the population.</a:t>
+            </a:r>
+          </a:p>
+          <a:p>
+            <a:r>
+              <a:rPr lang="en-US" dirty="0"/>
+              <a:t>There are two main types of hypothesis tests:</a:t>
+            </a:r>
+          </a:p>
+          <a:p>
+            <a:r>
+              <a:rPr lang="en-US" dirty="0"/>
+              <a:t>One-sample tests: One-sample tests are used to test claims about the mean or proportion of a single population. For example, you might use a one-sample test to determine whether the mean height of a population is different from a specific value or whether the proportion of a population with a certain characteristic is different from a specific value.</a:t>
+            </a:r>
+          </a:p>
+          <a:p>
+            <a:r>
+              <a:rPr lang="en-US" dirty="0"/>
+              <a:t>Two-sample tests: Two-sample tests are used to test claims about the difference between the means or proportions of two populations. For example, you might use a two-sample test to determine whether the mean height of one population is different from the mean height of another population or to determine whether the proportion of one population with a certain characteristic is different from the proportion of another population with that characteristic.</a:t>
+            </a:r>
+          </a:p>
+          <a:p>
+            <a:r>
+              <a:rPr lang="en-US" dirty="0"/>
+              <a:t>We could use chi-squared, ANOVA, Pearson’s correlation for analysis/hypothesis testing.</a:t>
+            </a:r>
+            <a:endParaRPr lang="en-IN" dirty="0"/>
+          </a:p>
+        </p:txBody>
+      </p:sp>
+    </p:spTree>
+    <p:extLst>
+      <p:ext uri="{BB962C8B-B14F-4D97-AF65-F5344CB8AC3E}">
+        <p14:creationId xmlns:p14="http://schemas.microsoft.com/office/powerpoint/2010/main" val="463488099"/>
+      </p:ext>
+    </p:extLst>
+  </p:cSld>
+  <p:clrMapOvr>
+    <a:masterClrMapping/>
+  </p:clrMapOvr>
+</p:sld>
+</file>
+
+<file path=ppt/slides/slide16.xml><?xml version="1.0" encoding="utf-8"?>
+<p:sld xmlns:a="http://schemas.openxmlformats.org/drawingml/2006/main" xmlns:r="http://schemas.openxmlformats.org/officeDocument/2006/relationships" xmlns:p="http://schemas.openxmlformats.org/presentationml/2006/main">
+  <p:cSld>
+    <p:spTree>
+      <p:nvGrpSpPr>
+        <p:cNvPr id="1" name=""/>
+        <p:cNvGrpSpPr/>
+        <p:nvPr/>
+      </p:nvGrpSpPr>
+      <p:grpSpPr>
+        <a:xfrm>
+          <a:off x="0" y="0"/>
+          <a:ext cx="0" cy="0"/>
+          <a:chOff x="0" y="0"/>
+          <a:chExt cx="0" cy="0"/>
+        </a:xfrm>
+      </p:grpSpPr>
+      <p:sp>
+        <p:nvSpPr>
+          <p:cNvPr id="2" name="Title 1">
+            <a:extLst>
+              <a:ext uri="{FF2B5EF4-FFF2-40B4-BE49-F238E27FC236}">
+                <a16:creationId xmlns:a16="http://schemas.microsoft.com/office/drawing/2014/main" id="{126452BA-7913-1601-85C4-FF46C2353344}"/>
+              </a:ext>
+            </a:extLst>
+          </p:cNvPr>
+          <p:cNvSpPr>
+            <a:spLocks noGrp="1"/>
+          </p:cNvSpPr>
+          <p:nvPr>
+            <p:ph type="title"/>
+          </p:nvPr>
+        </p:nvSpPr>
+        <p:spPr/>
+        <p:txBody>
+          <a:bodyPr/>
+          <a:lstStyle/>
+          <a:p>
+            <a:r>
+              <a:rPr lang="en-IN" i="1" dirty="0"/>
+              <a:t>Comparison Tests</a:t>
+            </a:r>
+          </a:p>
+        </p:txBody>
+      </p:sp>
+      <p:pic>
+        <p:nvPicPr>
+          <p:cNvPr id="5" name="Picture 4">
+            <a:extLst>
+              <a:ext uri="{FF2B5EF4-FFF2-40B4-BE49-F238E27FC236}">
+                <a16:creationId xmlns:a16="http://schemas.microsoft.com/office/drawing/2014/main" id="{740E8052-17FC-6E2E-C489-7A50D60FD5EF}"/>
+              </a:ext>
+            </a:extLst>
+          </p:cNvPr>
+          <p:cNvPicPr>
+            <a:picLocks noChangeAspect="1"/>
+          </p:cNvPicPr>
+          <p:nvPr/>
+        </p:nvPicPr>
+        <p:blipFill>
+          <a:blip r:embed="rId2"/>
+          <a:stretch>
+            <a:fillRect/>
+          </a:stretch>
+        </p:blipFill>
+        <p:spPr>
+          <a:xfrm>
+            <a:off x="1097280" y="1951991"/>
+            <a:ext cx="10058400" cy="4086655"/>
+          </a:xfrm>
+          <a:prstGeom prst="rect">
+            <a:avLst/>
+          </a:prstGeom>
+        </p:spPr>
+      </p:pic>
+      <p:sp>
+        <p:nvSpPr>
+          <p:cNvPr id="6" name="TextBox 5">
+            <a:extLst>
+              <a:ext uri="{FF2B5EF4-FFF2-40B4-BE49-F238E27FC236}">
+                <a16:creationId xmlns:a16="http://schemas.microsoft.com/office/drawing/2014/main" id="{668F1D3A-64DF-A828-F144-AAEC7BEB2117}"/>
+              </a:ext>
+            </a:extLst>
+          </p:cNvPr>
+          <p:cNvSpPr txBox="1"/>
+          <p:nvPr/>
+        </p:nvSpPr>
+        <p:spPr>
+          <a:xfrm>
+            <a:off x="6489291" y="6068611"/>
+            <a:ext cx="4666390" cy="253916"/>
+          </a:xfrm>
+          <a:prstGeom prst="rect">
+            <a:avLst/>
+          </a:prstGeom>
+          <a:noFill/>
+        </p:spPr>
+        <p:txBody>
+          <a:bodyPr wrap="square" rtlCol="0">
+            <a:spAutoFit/>
+          </a:bodyPr>
+          <a:lstStyle/>
+          <a:p>
+            <a:r>
+              <a:rPr lang="en-IN" sz="1050" dirty="0"/>
+              <a:t>credits: </a:t>
+            </a:r>
+            <a:r>
+              <a:rPr lang="en-US" sz="1050" dirty="0">
+                <a:hlinkClick r:id="rId3"/>
+              </a:rPr>
+              <a:t>Inferential Statistics | An Easy Introduction &amp; Examples (scribbr.com)</a:t>
+            </a:r>
+            <a:endParaRPr lang="en-IN" sz="1050" dirty="0"/>
+          </a:p>
+        </p:txBody>
+      </p:sp>
+    </p:spTree>
+    <p:extLst>
+      <p:ext uri="{BB962C8B-B14F-4D97-AF65-F5344CB8AC3E}">
+        <p14:creationId xmlns:p14="http://schemas.microsoft.com/office/powerpoint/2010/main" val="2391397882"/>
+      </p:ext>
+    </p:extLst>
+  </p:cSld>
+  <p:clrMapOvr>
+    <a:masterClrMapping/>
+  </p:clrMapOvr>
+</p:sld>
+</file>
+
+<file path=ppt/slides/slide17.xml><?xml version="1.0" encoding="utf-8"?>
+<p:sld xmlns:a="http://schemas.openxmlformats.org/drawingml/2006/main" xmlns:r="http://schemas.openxmlformats.org/officeDocument/2006/relationships" xmlns:p="http://schemas.openxmlformats.org/presentationml/2006/main">
+  <p:cSld>
+    <p:spTree>
+      <p:nvGrpSpPr>
+        <p:cNvPr id="1" name=""/>
+        <p:cNvGrpSpPr/>
+        <p:nvPr/>
+      </p:nvGrpSpPr>
+      <p:grpSpPr>
+        <a:xfrm>
+          <a:off x="0" y="0"/>
+          <a:ext cx="0" cy="0"/>
+          <a:chOff x="0" y="0"/>
+          <a:chExt cx="0" cy="0"/>
+        </a:xfrm>
+      </p:grpSpPr>
+      <p:sp>
+        <p:nvSpPr>
+          <p:cNvPr id="2" name="Title 1">
+            <a:extLst>
+              <a:ext uri="{FF2B5EF4-FFF2-40B4-BE49-F238E27FC236}">
+                <a16:creationId xmlns:a16="http://schemas.microsoft.com/office/drawing/2014/main" id="{93AA9ABE-431C-EFEF-2167-32891D34BFC0}"/>
+              </a:ext>
+            </a:extLst>
+          </p:cNvPr>
+          <p:cNvSpPr>
+            <a:spLocks noGrp="1"/>
+          </p:cNvSpPr>
+          <p:nvPr>
+            <p:ph type="title"/>
+          </p:nvPr>
+        </p:nvSpPr>
+        <p:spPr/>
+        <p:txBody>
+          <a:bodyPr/>
+          <a:lstStyle/>
+          <a:p>
+            <a:r>
+              <a:rPr lang="en-IN" i="1" dirty="0"/>
+              <a:t>Central Limit Theorem</a:t>
+            </a:r>
+          </a:p>
+        </p:txBody>
+      </p:sp>
+      <mc:AlternateContent xmlns:mc="http://schemas.openxmlformats.org/markup-compatibility/2006">
+        <mc:Choice xmlns:a14="http://schemas.microsoft.com/office/drawing/2010/main" Requires="a14">
+          <p:sp>
+            <p:nvSpPr>
+              <p:cNvPr id="3" name="Content Placeholder 2">
+                <a:extLst>
+                  <a:ext uri="{FF2B5EF4-FFF2-40B4-BE49-F238E27FC236}">
+                    <a16:creationId xmlns:a16="http://schemas.microsoft.com/office/drawing/2014/main" id="{C2164EB8-FE33-69A7-895E-591722429412}"/>
+                  </a:ext>
+                </a:extLst>
+              </p:cNvPr>
+              <p:cNvSpPr>
+                <a:spLocks noGrp="1"/>
+              </p:cNvSpPr>
+              <p:nvPr>
+                <p:ph idx="1"/>
+              </p:nvPr>
+            </p:nvSpPr>
+            <p:spPr/>
+            <p:txBody>
+              <a:bodyPr/>
+              <a:lstStyle/>
+              <a:p>
+                <a:r>
+                  <a:rPr lang="en-IN" dirty="0"/>
+                  <a:t>It states that the means of sufficiently large samples from a population will be normally distributed even if the populations is not normally distributed.</a:t>
+                </a:r>
+              </a:p>
+              <a:p>
+                <a:r>
+                  <a:rPr lang="en-IN" dirty="0"/>
+                  <a:t>The mean of the sample means is the population mean (approximate)</a:t>
+                </a:r>
+              </a:p>
+              <a:p>
+                <a:r>
+                  <a:rPr lang="en-IN" dirty="0"/>
+                  <a:t>The standard deviation of population is standard deviation of sampling distribution divided by the square root of sample size.</a:t>
+                </a:r>
+              </a:p>
+              <a:p>
+                <a14:m>
+                  <m:oMath xmlns:m="http://schemas.openxmlformats.org/officeDocument/2006/math">
+                    <m:sSub>
+                      <m:sSubPr>
+                        <m:ctrlPr>
+                          <a:rPr lang="en-IN" i="1">
+                            <a:solidFill>
+                              <a:srgbClr val="836967"/>
+                            </a:solidFill>
+                            <a:latin typeface="Cambria Math" panose="02040503050406030204" pitchFamily="18" charset="0"/>
+                          </a:rPr>
+                        </m:ctrlPr>
+                      </m:sSubPr>
+                      <m:e>
+                        <m:r>
+                          <a:rPr lang="en-IN" i="1" smtClean="0">
+                            <a:latin typeface="Cambria Math" panose="02040503050406030204" pitchFamily="18" charset="0"/>
+                            <a:ea typeface="Cambria Math" panose="02040503050406030204" pitchFamily="18" charset="0"/>
+                          </a:rPr>
+                          <m:t>𝜎</m:t>
+                        </m:r>
+                      </m:e>
+                      <m:sub>
+                        <m:acc>
+                          <m:accPr>
+                            <m:chr m:val="̅"/>
+                            <m:ctrlPr>
+                              <a:rPr lang="en-IN" i="1">
+                                <a:solidFill>
+                                  <a:srgbClr val="836967"/>
+                                </a:solidFill>
+                                <a:latin typeface="Cambria Math" panose="02040503050406030204" pitchFamily="18" charset="0"/>
+                              </a:rPr>
+                            </m:ctrlPr>
+                          </m:accPr>
+                          <m:e>
+                            <m:r>
+                              <a:rPr lang="en-IN" i="1">
+                                <a:latin typeface="Cambria Math" panose="02040503050406030204" pitchFamily="18" charset="0"/>
+                              </a:rPr>
+                              <m:t>𝑥</m:t>
+                            </m:r>
+                          </m:e>
+                        </m:acc>
+                      </m:sub>
+                    </m:sSub>
+                    <m:r>
+                      <a:rPr lang="en-IN" i="1">
+                        <a:latin typeface="Cambria Math" panose="02040503050406030204" pitchFamily="18" charset="0"/>
+                      </a:rPr>
+                      <m:t>=</m:t>
+                    </m:r>
+                    <m:f>
+                      <m:fPr>
+                        <m:ctrlPr>
+                          <a:rPr lang="en-IN" i="1">
+                            <a:solidFill>
+                              <a:srgbClr val="836967"/>
+                            </a:solidFill>
+                            <a:latin typeface="Cambria Math" panose="02040503050406030204" pitchFamily="18" charset="0"/>
+                          </a:rPr>
+                        </m:ctrlPr>
+                      </m:fPr>
+                      <m:num>
+                        <m:r>
+                          <a:rPr lang="en-IN" i="1">
+                            <a:latin typeface="Cambria Math" panose="02040503050406030204" pitchFamily="18" charset="0"/>
+                          </a:rPr>
+                          <m:t>𝜎</m:t>
+                        </m:r>
+                      </m:num>
+                      <m:den>
+                        <m:rad>
+                          <m:radPr>
+                            <m:degHide m:val="on"/>
+                            <m:ctrlPr>
+                              <a:rPr lang="en-IN" i="1">
+                                <a:solidFill>
+                                  <a:srgbClr val="836967"/>
+                                </a:solidFill>
+                                <a:latin typeface="Cambria Math" panose="02040503050406030204" pitchFamily="18" charset="0"/>
+                              </a:rPr>
+                            </m:ctrlPr>
+                          </m:radPr>
+                          <m:deg/>
+                          <m:e>
+                            <m:r>
+                              <a:rPr lang="en-IN" i="1">
+                                <a:latin typeface="Cambria Math" panose="02040503050406030204" pitchFamily="18" charset="0"/>
+                              </a:rPr>
+                              <m:t>𝑛</m:t>
+                            </m:r>
+                          </m:e>
+                        </m:rad>
+                      </m:den>
+                    </m:f>
+                  </m:oMath>
+                </a14:m>
+                <a:endParaRPr lang="en-IN" dirty="0"/>
+              </a:p>
+            </p:txBody>
+          </p:sp>
+        </mc:Choice>
+        <mc:Fallback>
+          <p:sp>
+            <p:nvSpPr>
+              <p:cNvPr id="3" name="Content Placeholder 2">
+                <a:extLst>
+                  <a:ext uri="{FF2B5EF4-FFF2-40B4-BE49-F238E27FC236}">
+                    <a16:creationId xmlns:a16="http://schemas.microsoft.com/office/drawing/2014/main" id="{C2164EB8-FE33-69A7-895E-591722429412}"/>
+                  </a:ext>
+                </a:extLst>
+              </p:cNvPr>
+              <p:cNvSpPr>
+                <a:spLocks noGrp="1" noRot="1" noChangeAspect="1" noMove="1" noResize="1" noEditPoints="1" noAdjustHandles="1" noChangeArrowheads="1" noChangeShapeType="1" noTextEdit="1"/>
+              </p:cNvSpPr>
+              <p:nvPr>
+                <p:ph idx="1"/>
+              </p:nvPr>
+            </p:nvSpPr>
+            <p:spPr>
+              <a:blipFill>
+                <a:blip r:embed="rId2"/>
+                <a:stretch>
+                  <a:fillRect l="-1455" t="-810" r="-1030"/>
+                </a:stretch>
+              </a:blipFill>
+            </p:spPr>
+            <p:txBody>
+              <a:bodyPr/>
+              <a:lstStyle/>
+              <a:p>
+                <a:r>
+                  <a:rPr lang="en-IN">
+                    <a:noFill/>
+                  </a:rPr>
+                  <a:t> </a:t>
+                </a:r>
+              </a:p>
+            </p:txBody>
+          </p:sp>
+        </mc:Fallback>
+      </mc:AlternateContent>
+    </p:spTree>
+    <p:extLst>
+      <p:ext uri="{BB962C8B-B14F-4D97-AF65-F5344CB8AC3E}">
+        <p14:creationId xmlns:p14="http://schemas.microsoft.com/office/powerpoint/2010/main" val="2885518002"/>
       </p:ext>
     </p:extLst>
   </p:cSld>
@@ -11099,7 +13455,14 @@
                         <a:latin typeface="Cambria Math" panose="02040503050406030204" pitchFamily="18" charset="0"/>
                         <a:ea typeface="Cambria Math" panose="02040503050406030204" pitchFamily="18" charset="0"/>
                       </a:rPr>
-                      <m:t>=0</m:t>
+                      <m:t>=</m:t>
+                    </m:r>
+                    <m:r>
+                      <a:rPr lang="en-IN" b="0" i="1" smtClean="0">
+                        <a:latin typeface="Cambria Math" panose="02040503050406030204" pitchFamily="18" charset="0"/>
+                        <a:ea typeface="Cambria Math" panose="02040503050406030204" pitchFamily="18" charset="0"/>
+                      </a:rPr>
+                      <m:t>0</m:t>
                     </m:r>
                   </m:oMath>
                 </a14:m>
@@ -11139,7 +13502,19 @@
                       <a:rPr lang="en-IN" b="0" i="1" smtClean="0">
                         <a:latin typeface="Cambria Math" panose="02040503050406030204" pitchFamily="18" charset="0"/>
                       </a:rPr>
-                      <m:t>=1.</m:t>
+                      <m:t>=</m:t>
+                    </m:r>
+                    <m:r>
+                      <a:rPr lang="en-IN" b="0" i="1" smtClean="0">
+                        <a:latin typeface="Cambria Math" panose="02040503050406030204" pitchFamily="18" charset="0"/>
+                      </a:rPr>
+                      <m:t>1</m:t>
+                    </m:r>
+                    <m:r>
+                      <a:rPr lang="en-IN" b="0" i="1" smtClean="0">
+                        <a:latin typeface="Cambria Math" panose="02040503050406030204" pitchFamily="18" charset="0"/>
+                      </a:rPr>
+                      <m:t>.</m:t>
                     </m:r>
                   </m:oMath>
                 </a14:m>

--- a/statistics/Statistics.pptx
+++ b/statistics/Statistics.pptx
@@ -4220,7 +4220,7 @@
           <a:p>
             <a:fld id="{9184DA70-C731-4C70-880D-CCD4705E623C}" type="datetime1">
               <a:rPr lang="en-US" smtClean="0"/>
-              <a:t>7/6/2024</a:t>
+              <a:t>7/7/2024</a:t>
             </a:fld>
             <a:endParaRPr lang="en-US" dirty="0"/>
           </a:p>
@@ -4408,7 +4408,7 @@
           <a:p>
             <a:fld id="{B612A279-0833-481D-8C56-F67FD0AC6C50}" type="datetime1">
               <a:rPr lang="en-US" smtClean="0"/>
-              <a:t>7/6/2024</a:t>
+              <a:t>7/7/2024</a:t>
             </a:fld>
             <a:endParaRPr lang="en-US" dirty="0"/>
           </a:p>
@@ -4650,7 +4650,7 @@
           <a:p>
             <a:fld id="{6587DA83-5663-4C9C-B9AA-0B40A3DAFF81}" type="datetime1">
               <a:rPr lang="en-US" smtClean="0"/>
-              <a:t>7/6/2024</a:t>
+              <a:t>7/7/2024</a:t>
             </a:fld>
             <a:endParaRPr lang="en-US" dirty="0"/>
           </a:p>
@@ -4838,7 +4838,7 @@
           <a:p>
             <a:fld id="{4BE1D723-8F53-4F53-90B0-1982A396982E}" type="datetime1">
               <a:rPr lang="en-US" smtClean="0"/>
-              <a:t>7/6/2024</a:t>
+              <a:t>7/7/2024</a:t>
             </a:fld>
             <a:endParaRPr lang="en-US" dirty="0"/>
           </a:p>
@@ -5211,7 +5211,7 @@
           <a:p>
             <a:fld id="{97669AF7-7BEB-44E4-9852-375E34362B5B}" type="datetime1">
               <a:rPr lang="en-US" smtClean="0"/>
-              <a:t>7/6/2024</a:t>
+              <a:t>7/7/2024</a:t>
             </a:fld>
             <a:endParaRPr lang="en-US" dirty="0"/>
           </a:p>
@@ -5466,7 +5466,7 @@
           <a:p>
             <a:fld id="{BAAAC38D-0552-4C82-B593-E6124DFADBE2}" type="datetime1">
               <a:rPr lang="en-US" smtClean="0"/>
-              <a:t>7/6/2024</a:t>
+              <a:t>7/7/2024</a:t>
             </a:fld>
             <a:endParaRPr lang="en-US" dirty="0"/>
           </a:p>
@@ -5863,7 +5863,7 @@
           <a:p>
             <a:fld id="{D9DF0F1C-5577-4ACB-BB62-DF8F3C494C7E}" type="datetime1">
               <a:rPr lang="en-US" smtClean="0"/>
-              <a:t>7/6/2024</a:t>
+              <a:t>7/7/2024</a:t>
             </a:fld>
             <a:endParaRPr lang="en-US" dirty="0"/>
           </a:p>
@@ -5999,7 +5999,7 @@
           <a:p>
             <a:fld id="{1775B394-D9F9-4F0C-B15D-605F45CB9E9F}" type="datetime1">
               <a:rPr lang="en-US" smtClean="0"/>
-              <a:t>7/6/2024</a:t>
+              <a:t>7/7/2024</a:t>
             </a:fld>
             <a:endParaRPr lang="en-US" dirty="0"/>
           </a:p>
@@ -6156,7 +6156,7 @@
           <a:p>
             <a:fld id="{39667345-2558-425A-8533-9BFDBCE15005}" type="datetime1">
               <a:rPr lang="en-US" smtClean="0"/>
-              <a:t>7/6/2024</a:t>
+              <a:t>7/7/2024</a:t>
             </a:fld>
             <a:endParaRPr lang="en-US" dirty="0"/>
           </a:p>
@@ -6485,7 +6485,7 @@
           <a:p>
             <a:fld id="{92BEA474-078D-4E9B-9B14-09A87B19DC46}" type="datetime1">
               <a:rPr lang="en-US" smtClean="0"/>
-              <a:t>7/6/2024</a:t>
+              <a:t>7/7/2024</a:t>
             </a:fld>
             <a:endParaRPr lang="en-US" dirty="0"/>
           </a:p>
@@ -6835,7 +6835,7 @@
           <a:p>
             <a:fld id="{4907D986-8816-4272-A432-0437A28A9828}" type="datetime1">
               <a:rPr lang="en-US" smtClean="0"/>
-              <a:t>7/6/2024</a:t>
+              <a:t>7/7/2024</a:t>
             </a:fld>
             <a:endParaRPr lang="en-US" dirty="0"/>
           </a:p>
@@ -7096,7 +7096,7 @@
           <a:p>
             <a:fld id="{62D6E202-B606-4609-B914-27C9371A1F6D}" type="datetime1">
               <a:rPr lang="en-US" smtClean="0"/>
-              <a:t>7/6/2024</a:t>
+              <a:t>7/7/2024</a:t>
             </a:fld>
             <a:endParaRPr lang="en-US" dirty="0"/>
           </a:p>
@@ -10108,8 +10108,8 @@
           </a:p>
         </p:txBody>
       </p:sp>
-      <mc:AlternateContent xmlns:mc="http://schemas.openxmlformats.org/markup-compatibility/2006">
-        <mc:Choice xmlns:a14="http://schemas.microsoft.com/office/drawing/2010/main" Requires="a14">
+      <mc:AlternateContent xmlns:mc="http://schemas.openxmlformats.org/markup-compatibility/2006" xmlns:a14="http://schemas.microsoft.com/office/drawing/2010/main">
+        <mc:Choice Requires="a14">
           <p:sp>
             <p:nvSpPr>
               <p:cNvPr id="3" name="Content Placeholder 2">
@@ -10252,7 +10252,7 @@
             </p:txBody>
           </p:sp>
         </mc:Choice>
-        <mc:Fallback>
+        <mc:Fallback xmlns="">
           <p:sp>
             <p:nvSpPr>
               <p:cNvPr id="3" name="Content Placeholder 2">
@@ -13455,14 +13455,7 @@
                         <a:latin typeface="Cambria Math" panose="02040503050406030204" pitchFamily="18" charset="0"/>
                         <a:ea typeface="Cambria Math" panose="02040503050406030204" pitchFamily="18" charset="0"/>
                       </a:rPr>
-                      <m:t>=</m:t>
-                    </m:r>
-                    <m:r>
-                      <a:rPr lang="en-IN" b="0" i="1" smtClean="0">
-                        <a:latin typeface="Cambria Math" panose="02040503050406030204" pitchFamily="18" charset="0"/>
-                        <a:ea typeface="Cambria Math" panose="02040503050406030204" pitchFamily="18" charset="0"/>
-                      </a:rPr>
-                      <m:t>0</m:t>
+                      <m:t>=0</m:t>
                     </m:r>
                   </m:oMath>
                 </a14:m>
@@ -13502,19 +13495,7 @@
                       <a:rPr lang="en-IN" b="0" i="1" smtClean="0">
                         <a:latin typeface="Cambria Math" panose="02040503050406030204" pitchFamily="18" charset="0"/>
                       </a:rPr>
-                      <m:t>=</m:t>
-                    </m:r>
-                    <m:r>
-                      <a:rPr lang="en-IN" b="0" i="1" smtClean="0">
-                        <a:latin typeface="Cambria Math" panose="02040503050406030204" pitchFamily="18" charset="0"/>
-                      </a:rPr>
-                      <m:t>1</m:t>
-                    </m:r>
-                    <m:r>
-                      <a:rPr lang="en-IN" b="0" i="1" smtClean="0">
-                        <a:latin typeface="Cambria Math" panose="02040503050406030204" pitchFamily="18" charset="0"/>
-                      </a:rPr>
-                      <m:t>.</m:t>
+                      <m:t>=1.</m:t>
                     </m:r>
                   </m:oMath>
                 </a14:m>
